--- a/API가이드.pptx
+++ b/API가이드.pptx
@@ -249,7 +249,7 @@
           <a:p>
             <a:fld id="{03DC3B61-A671-EB45-BB07-D42514F0CE03}" type="datetimeFigureOut">
               <a:rPr kumimoji="1" lang="ko-Kore-KR" altLang="en-US" smtClean="0"/>
-              <a:t>2022. 3. 25.</a:t>
+              <a:t>2022. 4. 17.</a:t>
             </a:fld>
             <a:endParaRPr kumimoji="1" lang="ko-Kore-KR" altLang="en-US"/>
           </a:p>
@@ -419,7 +419,7 @@
           <a:p>
             <a:fld id="{03DC3B61-A671-EB45-BB07-D42514F0CE03}" type="datetimeFigureOut">
               <a:rPr kumimoji="1" lang="ko-Kore-KR" altLang="en-US" smtClean="0"/>
-              <a:t>2022. 3. 25.</a:t>
+              <a:t>2022. 4. 17.</a:t>
             </a:fld>
             <a:endParaRPr kumimoji="1" lang="ko-Kore-KR" altLang="en-US"/>
           </a:p>
@@ -599,7 +599,7 @@
           <a:p>
             <a:fld id="{03DC3B61-A671-EB45-BB07-D42514F0CE03}" type="datetimeFigureOut">
               <a:rPr kumimoji="1" lang="ko-Kore-KR" altLang="en-US" smtClean="0"/>
-              <a:t>2022. 3. 25.</a:t>
+              <a:t>2022. 4. 17.</a:t>
             </a:fld>
             <a:endParaRPr kumimoji="1" lang="ko-Kore-KR" altLang="en-US"/>
           </a:p>
@@ -769,7 +769,7 @@
           <a:p>
             <a:fld id="{03DC3B61-A671-EB45-BB07-D42514F0CE03}" type="datetimeFigureOut">
               <a:rPr kumimoji="1" lang="ko-Kore-KR" altLang="en-US" smtClean="0"/>
-              <a:t>2022. 3. 25.</a:t>
+              <a:t>2022. 4. 17.</a:t>
             </a:fld>
             <a:endParaRPr kumimoji="1" lang="ko-Kore-KR" altLang="en-US"/>
           </a:p>
@@ -1013,7 +1013,7 @@
           <a:p>
             <a:fld id="{03DC3B61-A671-EB45-BB07-D42514F0CE03}" type="datetimeFigureOut">
               <a:rPr kumimoji="1" lang="ko-Kore-KR" altLang="en-US" smtClean="0"/>
-              <a:t>2022. 3. 25.</a:t>
+              <a:t>2022. 4. 17.</a:t>
             </a:fld>
             <a:endParaRPr kumimoji="1" lang="ko-Kore-KR" altLang="en-US"/>
           </a:p>
@@ -1245,7 +1245,7 @@
           <a:p>
             <a:fld id="{03DC3B61-A671-EB45-BB07-D42514F0CE03}" type="datetimeFigureOut">
               <a:rPr kumimoji="1" lang="ko-Kore-KR" altLang="en-US" smtClean="0"/>
-              <a:t>2022. 3. 25.</a:t>
+              <a:t>2022. 4. 17.</a:t>
             </a:fld>
             <a:endParaRPr kumimoji="1" lang="ko-Kore-KR" altLang="en-US"/>
           </a:p>
@@ -1612,7 +1612,7 @@
           <a:p>
             <a:fld id="{03DC3B61-A671-EB45-BB07-D42514F0CE03}" type="datetimeFigureOut">
               <a:rPr kumimoji="1" lang="ko-Kore-KR" altLang="en-US" smtClean="0"/>
-              <a:t>2022. 3. 25.</a:t>
+              <a:t>2022. 4. 17.</a:t>
             </a:fld>
             <a:endParaRPr kumimoji="1" lang="ko-Kore-KR" altLang="en-US"/>
           </a:p>
@@ -1730,7 +1730,7 @@
           <a:p>
             <a:fld id="{03DC3B61-A671-EB45-BB07-D42514F0CE03}" type="datetimeFigureOut">
               <a:rPr kumimoji="1" lang="ko-Kore-KR" altLang="en-US" smtClean="0"/>
-              <a:t>2022. 3. 25.</a:t>
+              <a:t>2022. 4. 17.</a:t>
             </a:fld>
             <a:endParaRPr kumimoji="1" lang="ko-Kore-KR" altLang="en-US"/>
           </a:p>
@@ -1825,7 +1825,7 @@
           <a:p>
             <a:fld id="{03DC3B61-A671-EB45-BB07-D42514F0CE03}" type="datetimeFigureOut">
               <a:rPr kumimoji="1" lang="ko-Kore-KR" altLang="en-US" smtClean="0"/>
-              <a:t>2022. 3. 25.</a:t>
+              <a:t>2022. 4. 17.</a:t>
             </a:fld>
             <a:endParaRPr kumimoji="1" lang="ko-Kore-KR" altLang="en-US"/>
           </a:p>
@@ -2102,7 +2102,7 @@
           <a:p>
             <a:fld id="{03DC3B61-A671-EB45-BB07-D42514F0CE03}" type="datetimeFigureOut">
               <a:rPr kumimoji="1" lang="ko-Kore-KR" altLang="en-US" smtClean="0"/>
-              <a:t>2022. 3. 25.</a:t>
+              <a:t>2022. 4. 17.</a:t>
             </a:fld>
             <a:endParaRPr kumimoji="1" lang="ko-Kore-KR" altLang="en-US"/>
           </a:p>
@@ -2359,7 +2359,7 @@
           <a:p>
             <a:fld id="{03DC3B61-A671-EB45-BB07-D42514F0CE03}" type="datetimeFigureOut">
               <a:rPr kumimoji="1" lang="ko-Kore-KR" altLang="en-US" smtClean="0"/>
-              <a:t>2022. 3. 25.</a:t>
+              <a:t>2022. 4. 17.</a:t>
             </a:fld>
             <a:endParaRPr kumimoji="1" lang="ko-Kore-KR" altLang="en-US"/>
           </a:p>
@@ -2572,7 +2572,7 @@
           <a:p>
             <a:fld id="{03DC3B61-A671-EB45-BB07-D42514F0CE03}" type="datetimeFigureOut">
               <a:rPr kumimoji="1" lang="ko-Kore-KR" altLang="en-US" smtClean="0"/>
-              <a:t>2022. 3. 25.</a:t>
+              <a:t>2022. 4. 17.</a:t>
             </a:fld>
             <a:endParaRPr kumimoji="1" lang="ko-Kore-KR" altLang="en-US"/>
           </a:p>
@@ -3131,7 +3131,7 @@
         </p:nvSpPr>
         <p:spPr>
           <a:xfrm>
-            <a:off x="467710" y="7840718"/>
+            <a:off x="467710" y="6575592"/>
             <a:ext cx="1171904" cy="276999"/>
           </a:xfrm>
           <a:prstGeom prst="rect">
@@ -3146,7 +3146,7 @@
           <a:lstStyle/>
           <a:p>
             <a:r>
-              <a:rPr kumimoji="1" lang="ko-KR" altLang="en-US" sz="1200" dirty="0" err="1">
+              <a:rPr kumimoji="1" lang="ko-KR" altLang="en-US" sz="1200" dirty="0">
                 <a:solidFill>
                   <a:schemeClr val="tx1">
                     <a:lumMod val="85000"/>
@@ -3157,7 +3157,7 @@
                 <a:ea typeface="Microsoft GothicNeo" panose="020B0500000101010101" pitchFamily="34" charset="-127"/>
                 <a:cs typeface="Microsoft GothicNeo" panose="020B0500000101010101" pitchFamily="34" charset="-127"/>
               </a:rPr>
-              <a:t>개정이력</a:t>
+              <a:t>개정 이력</a:t>
             </a:r>
             <a:endParaRPr kumimoji="1" lang="ko-Kore-KR" altLang="en-US" sz="1200" dirty="0">
               <a:solidFill>
@@ -3188,14 +3188,14 @@
           <p:nvPr>
             <p:extLst>
               <p:ext uri="{D42A27DB-BD31-4B8C-83A1-F6EECF244321}">
-                <p14:modId xmlns:p14="http://schemas.microsoft.com/office/powerpoint/2010/main" val="3861863630"/>
+                <p14:modId xmlns:p14="http://schemas.microsoft.com/office/powerpoint/2010/main" val="3992399879"/>
               </p:ext>
             </p:extLst>
           </p:nvPr>
         </p:nvGraphicFramePr>
         <p:xfrm>
-          <a:off x="499241" y="8160187"/>
-          <a:ext cx="5933092" cy="1483360"/>
+          <a:off x="499241" y="6927882"/>
+          <a:ext cx="5933092" cy="2486758"/>
         </p:xfrm>
         <a:graphic>
           <a:graphicData uri="http://schemas.openxmlformats.org/drawingml/2006/table">
@@ -3204,28 +3204,28 @@
                 <a:tableStyleId>{5C22544A-7EE6-4342-B048-85BDC9FD1C3A}</a:tableStyleId>
               </a:tblPr>
               <a:tblGrid>
-                <a:gridCol w="604345">
+                <a:gridCol w="452737">
                   <a:extLst>
                     <a:ext uri="{9D8B030D-6E8A-4147-A177-3AD203B41FA5}">
                       <a16:colId xmlns:a16="http://schemas.microsoft.com/office/drawing/2014/main" val="3303756810"/>
                     </a:ext>
                   </a:extLst>
                 </a:gridCol>
-                <a:gridCol w="1245476">
+                <a:gridCol w="951978">
                   <a:extLst>
                     <a:ext uri="{9D8B030D-6E8A-4147-A177-3AD203B41FA5}">
                       <a16:colId xmlns:a16="http://schemas.microsoft.com/office/drawing/2014/main" val="1318994601"/>
                     </a:ext>
                   </a:extLst>
                 </a:gridCol>
-                <a:gridCol w="2096814">
+                <a:gridCol w="2066795">
                   <a:extLst>
                     <a:ext uri="{9D8B030D-6E8A-4147-A177-3AD203B41FA5}">
                       <a16:colId xmlns:a16="http://schemas.microsoft.com/office/drawing/2014/main" val="865865100"/>
                     </a:ext>
                   </a:extLst>
                 </a:gridCol>
-                <a:gridCol w="1986457">
+                <a:gridCol w="2461582">
                   <a:extLst>
                     <a:ext uri="{9D8B030D-6E8A-4147-A177-3AD203B41FA5}">
                       <a16:colId xmlns:a16="http://schemas.microsoft.com/office/drawing/2014/main" val="3798114323"/>
@@ -3233,7 +3233,7 @@
                   </a:extLst>
                 </a:gridCol>
               </a:tblGrid>
-              <a:tr h="370840">
+              <a:tr h="362266">
                 <a:tc>
                   <a:txBody>
                     <a:bodyPr/>
@@ -3524,7 +3524,7 @@
                   </a:ext>
                 </a:extLst>
               </a:tr>
-              <a:tr h="370840">
+              <a:tr h="534667">
                 <a:tc>
                   <a:txBody>
                     <a:bodyPr/>
@@ -3688,7 +3688,10 @@
                     <a:bodyPr/>
                     <a:lstStyle/>
                     <a:p>
-                      <a:pPr algn="ctr"/>
+                      <a:pPr marL="171450" indent="-171450" algn="l">
+                        <a:buFont typeface="Arial" panose="020B0604020202020204" pitchFamily="34" charset="0"/>
+                        <a:buChar char="•"/>
+                      </a:pPr>
                       <a:r>
                         <a:rPr lang="ko-Kore-KR" altLang="en-US" sz="1100" b="0" i="0" dirty="0">
                           <a:latin typeface="Microsoft GothicNeo Light" panose="020B0300000101010101" pitchFamily="34" charset="-127"/>
@@ -3754,7 +3757,10 @@
                     <a:bodyPr/>
                     <a:lstStyle/>
                     <a:p>
-                      <a:pPr algn="ctr"/>
+                      <a:pPr marL="171450" indent="-171450" algn="l">
+                        <a:buFont typeface="Arial" panose="020B0604020202020204" pitchFamily="34" charset="0"/>
+                        <a:buChar char="•"/>
+                      </a:pPr>
                       <a:r>
                         <a:rPr lang="ko-Kore-KR" altLang="en-US" sz="1100" b="0" i="0" dirty="0">
                           <a:latin typeface="Microsoft GothicNeo Light" panose="020B0300000101010101" pitchFamily="34" charset="-127"/>
@@ -3821,13 +3827,29 @@
                   </a:ext>
                 </a:extLst>
               </a:tr>
-              <a:tr h="370840">
+              <a:tr h="463133">
                 <a:tc>
                   <a:txBody>
                     <a:bodyPr/>
                     <a:lstStyle/>
                     <a:p>
                       <a:pPr algn="ctr"/>
+                      <a:r>
+                        <a:rPr lang="en-US" altLang="ko-Kore-KR" sz="1100" b="0" i="0" dirty="0">
+                          <a:latin typeface="Microsoft GothicNeo Light" panose="020B0300000101010101" pitchFamily="34" charset="-127"/>
+                          <a:ea typeface="Microsoft GothicNeo Light" panose="020B0300000101010101" pitchFamily="34" charset="-127"/>
+                          <a:cs typeface="Microsoft GothicNeo Light" panose="020B0300000101010101" pitchFamily="34" charset="-127"/>
+                        </a:rPr>
+                        <a:t>1</a:t>
+                      </a:r>
+                      <a:r>
+                        <a:rPr lang="en-US" altLang="ko-KR" sz="1100" b="0" i="0" dirty="0">
+                          <a:latin typeface="Microsoft GothicNeo Light" panose="020B0300000101010101" pitchFamily="34" charset="-127"/>
+                          <a:ea typeface="Microsoft GothicNeo Light" panose="020B0300000101010101" pitchFamily="34" charset="-127"/>
+                          <a:cs typeface="Microsoft GothicNeo Light" panose="020B0300000101010101" pitchFamily="34" charset="-127"/>
+                        </a:rPr>
+                        <a:t>.1</a:t>
+                      </a:r>
                       <a:endParaRPr lang="ko-Kore-KR" altLang="en-US" sz="1100" b="0" i="0" dirty="0">
                         <a:latin typeface="Microsoft GothicNeo Light" panose="020B0300000101010101" pitchFamily="34" charset="-127"/>
                         <a:ea typeface="Microsoft GothicNeo Light" panose="020B0300000101010101" pitchFamily="34" charset="-127"/>
@@ -3893,6 +3915,22 @@
                     <a:lstStyle/>
                     <a:p>
                       <a:pPr algn="ctr"/>
+                      <a:r>
+                        <a:rPr lang="en-US" altLang="ko-Kore-KR" sz="1100" b="0" i="0" dirty="0">
+                          <a:latin typeface="Microsoft GothicNeo Light" panose="020B0300000101010101" pitchFamily="34" charset="-127"/>
+                          <a:ea typeface="Microsoft GothicNeo Light" panose="020B0300000101010101" pitchFamily="34" charset="-127"/>
+                          <a:cs typeface="Microsoft GothicNeo Light" panose="020B0300000101010101" pitchFamily="34" charset="-127"/>
+                        </a:rPr>
+                        <a:t>2</a:t>
+                      </a:r>
+                      <a:r>
+                        <a:rPr lang="en-US" altLang="ko-KR" sz="1100" b="0" i="0" dirty="0">
+                          <a:latin typeface="Microsoft GothicNeo Light" panose="020B0300000101010101" pitchFamily="34" charset="-127"/>
+                          <a:ea typeface="Microsoft GothicNeo Light" panose="020B0300000101010101" pitchFamily="34" charset="-127"/>
+                          <a:cs typeface="Microsoft GothicNeo Light" panose="020B0300000101010101" pitchFamily="34" charset="-127"/>
+                        </a:rPr>
+                        <a:t>022-04-05</a:t>
+                      </a:r>
                       <a:endParaRPr lang="ko-Kore-KR" altLang="en-US" sz="1100" b="0" i="0" dirty="0">
                         <a:latin typeface="Microsoft GothicNeo Light" panose="020B0300000101010101" pitchFamily="34" charset="-127"/>
                         <a:ea typeface="Microsoft GothicNeo Light" panose="020B0300000101010101" pitchFamily="34" charset="-127"/>
@@ -3957,12 +3995,26 @@
                     <a:bodyPr/>
                     <a:lstStyle/>
                     <a:p>
-                      <a:pPr algn="ctr"/>
-                      <a:endParaRPr lang="ko-Kore-KR" altLang="en-US" sz="1100" b="0" i="0" dirty="0">
-                        <a:latin typeface="Microsoft GothicNeo Light" panose="020B0300000101010101" pitchFamily="34" charset="-127"/>
-                        <a:ea typeface="Microsoft GothicNeo Light" panose="020B0300000101010101" pitchFamily="34" charset="-127"/>
-                        <a:cs typeface="Microsoft GothicNeo Light" panose="020B0300000101010101" pitchFamily="34" charset="-127"/>
-                      </a:endParaRPr>
+                      <a:pPr marL="171450" indent="-171450" algn="l">
+                        <a:buFont typeface="Arial" panose="020B0604020202020204" pitchFamily="34" charset="0"/>
+                        <a:buChar char="•"/>
+                      </a:pPr>
+                      <a:r>
+                        <a:rPr lang="en-US" altLang="ko-Kore-KR" sz="1100" b="0" i="0" dirty="0">
+                          <a:latin typeface="Microsoft GothicNeo Light" panose="020B0300000101010101" pitchFamily="34" charset="-127"/>
+                          <a:ea typeface="Microsoft GothicNeo Light" panose="020B0300000101010101" pitchFamily="34" charset="-127"/>
+                          <a:cs typeface="Microsoft GothicNeo Light" panose="020B0300000101010101" pitchFamily="34" charset="-127"/>
+                        </a:rPr>
+                        <a:t>API </a:t>
+                      </a:r>
+                      <a:r>
+                        <a:rPr lang="ko-Kore-KR" altLang="en-US" sz="1100" b="0" i="0" dirty="0">
+                          <a:latin typeface="Microsoft GothicNeo Light" panose="020B0300000101010101" pitchFamily="34" charset="-127"/>
+                          <a:ea typeface="Microsoft GothicNeo Light" panose="020B0300000101010101" pitchFamily="34" charset="-127"/>
+                          <a:cs typeface="Microsoft GothicNeo Light" panose="020B0300000101010101" pitchFamily="34" charset="-127"/>
+                        </a:rPr>
+                        <a:t>공통사항의 명확한 전달</a:t>
+                      </a:r>
                     </a:p>
                   </a:txBody>
                   <a:tcPr anchor="ctr">
@@ -4022,12 +4074,55 @@
                     <a:bodyPr/>
                     <a:lstStyle/>
                     <a:p>
-                      <a:pPr algn="ctr"/>
-                      <a:endParaRPr lang="ko-Kore-KR" altLang="en-US" sz="1100" b="0" i="0" dirty="0">
-                        <a:latin typeface="Microsoft GothicNeo Light" panose="020B0300000101010101" pitchFamily="34" charset="-127"/>
-                        <a:ea typeface="Microsoft GothicNeo Light" panose="020B0300000101010101" pitchFamily="34" charset="-127"/>
-                        <a:cs typeface="Microsoft GothicNeo Light" panose="020B0300000101010101" pitchFamily="34" charset="-127"/>
-                      </a:endParaRPr>
+                      <a:pPr marL="171450" marR="0" lvl="0" indent="-171450" algn="l" defTabSz="685800" rtl="0" eaLnBrk="1" fontAlgn="auto" latinLnBrk="0" hangingPunct="1">
+                        <a:lnSpc>
+                          <a:spcPct val="100000"/>
+                        </a:lnSpc>
+                        <a:spcBef>
+                          <a:spcPts val="0"/>
+                        </a:spcBef>
+                        <a:spcAft>
+                          <a:spcPts val="0"/>
+                        </a:spcAft>
+                        <a:buClrTx/>
+                        <a:buSzTx/>
+                        <a:buFont typeface="Arial" panose="020B0604020202020204" pitchFamily="34" charset="0"/>
+                        <a:buChar char="•"/>
+                        <a:tabLst/>
+                        <a:defRPr/>
+                      </a:pPr>
+                      <a:r>
+                        <a:rPr lang="en-US" altLang="ko-Kore-KR" sz="1100" b="0" i="0" dirty="0">
+                          <a:latin typeface="Microsoft GothicNeo Light" panose="020B0300000101010101" pitchFamily="34" charset="-127"/>
+                          <a:ea typeface="Microsoft GothicNeo Light" panose="020B0300000101010101" pitchFamily="34" charset="-127"/>
+                          <a:cs typeface="Microsoft GothicNeo Light" panose="020B0300000101010101" pitchFamily="34" charset="-127"/>
+                        </a:rPr>
+                        <a:t>API </a:t>
+                      </a:r>
+                      <a:r>
+                        <a:rPr lang="ko-Kore-KR" altLang="en-US" sz="1100" b="0" i="0" dirty="0">
+                          <a:latin typeface="Microsoft GothicNeo Light" panose="020B0300000101010101" pitchFamily="34" charset="-127"/>
+                          <a:ea typeface="Microsoft GothicNeo Light" panose="020B0300000101010101" pitchFamily="34" charset="-127"/>
+                          <a:cs typeface="Microsoft GothicNeo Light" panose="020B0300000101010101" pitchFamily="34" charset="-127"/>
+                        </a:rPr>
+                        <a:t>공통사항 </a:t>
+                      </a:r>
+                      <a:r>
+                        <a:rPr lang="en-US" altLang="ko-Kore-KR" sz="1100" b="0" i="0" dirty="0">
+                          <a:latin typeface="Microsoft GothicNeo Light" panose="020B0300000101010101" pitchFamily="34" charset="-127"/>
+                          <a:ea typeface="Microsoft GothicNeo Light" panose="020B0300000101010101" pitchFamily="34" charset="-127"/>
+                          <a:cs typeface="Microsoft GothicNeo Light" panose="020B0300000101010101" pitchFamily="34" charset="-127"/>
+                        </a:rPr>
+                        <a:t>Mandatory</a:t>
+                      </a:r>
+                      <a:r>
+                        <a:rPr lang="ko-Kore-KR" altLang="en-US" sz="1100" b="0" i="0" dirty="0">
+                          <a:latin typeface="Microsoft GothicNeo Light" panose="020B0300000101010101" pitchFamily="34" charset="-127"/>
+                          <a:ea typeface="Microsoft GothicNeo Light" panose="020B0300000101010101" pitchFamily="34" charset="-127"/>
+                          <a:cs typeface="Microsoft GothicNeo Light" panose="020B0300000101010101" pitchFamily="34" charset="-127"/>
+                        </a:rPr>
+                        <a:t>추가</a:t>
+                      </a:r>
                     </a:p>
                   </a:txBody>
                   <a:tcPr anchor="ctr">
@@ -4088,14 +4183,30 @@
                   </a:ext>
                 </a:extLst>
               </a:tr>
-              <a:tr h="370840">
+              <a:tr h="1126692">
                 <a:tc>
                   <a:txBody>
                     <a:bodyPr/>
                     <a:lstStyle/>
                     <a:p>
                       <a:pPr algn="ctr"/>
-                      <a:endParaRPr lang="ko-Kore-KR" altLang="en-US" sz="1100" b="0" i="0">
+                      <a:r>
+                        <a:rPr lang="en-US" altLang="ko-Kore-KR" sz="1100" b="0" i="0" dirty="0">
+                          <a:latin typeface="Microsoft GothicNeo Light" panose="020B0300000101010101" pitchFamily="34" charset="-127"/>
+                          <a:ea typeface="Microsoft GothicNeo Light" panose="020B0300000101010101" pitchFamily="34" charset="-127"/>
+                          <a:cs typeface="Microsoft GothicNeo Light" panose="020B0300000101010101" pitchFamily="34" charset="-127"/>
+                        </a:rPr>
+                        <a:t>1</a:t>
+                      </a:r>
+                      <a:r>
+                        <a:rPr lang="en-US" altLang="ko-KR" sz="1100" b="0" i="0" dirty="0">
+                          <a:latin typeface="Microsoft GothicNeo Light" panose="020B0300000101010101" pitchFamily="34" charset="-127"/>
+                          <a:ea typeface="Microsoft GothicNeo Light" panose="020B0300000101010101" pitchFamily="34" charset="-127"/>
+                          <a:cs typeface="Microsoft GothicNeo Light" panose="020B0300000101010101" pitchFamily="34" charset="-127"/>
+                        </a:rPr>
+                        <a:t>.2</a:t>
+                      </a:r>
+                      <a:endParaRPr lang="ko-Kore-KR" altLang="en-US" sz="1100" b="0" i="0" dirty="0">
                         <a:latin typeface="Microsoft GothicNeo Light" panose="020B0300000101010101" pitchFamily="34" charset="-127"/>
                         <a:ea typeface="Microsoft GothicNeo Light" panose="020B0300000101010101" pitchFamily="34" charset="-127"/>
                         <a:cs typeface="Microsoft GothicNeo Light" panose="020B0300000101010101" pitchFamily="34" charset="-127"/>
@@ -4158,6 +4269,22 @@
                     <a:lstStyle/>
                     <a:p>
                       <a:pPr algn="ctr"/>
+                      <a:r>
+                        <a:rPr lang="en-US" altLang="ko-Kore-KR" sz="1100" b="0" i="0" dirty="0">
+                          <a:latin typeface="Microsoft GothicNeo Light" panose="020B0300000101010101" pitchFamily="34" charset="-127"/>
+                          <a:ea typeface="Microsoft GothicNeo Light" panose="020B0300000101010101" pitchFamily="34" charset="-127"/>
+                          <a:cs typeface="Microsoft GothicNeo Light" panose="020B0300000101010101" pitchFamily="34" charset="-127"/>
+                        </a:rPr>
+                        <a:t>2</a:t>
+                      </a:r>
+                      <a:r>
+                        <a:rPr lang="en-US" altLang="ko-KR" sz="1100" b="0" i="0" dirty="0">
+                          <a:latin typeface="Microsoft GothicNeo Light" panose="020B0300000101010101" pitchFamily="34" charset="-127"/>
+                          <a:ea typeface="Microsoft GothicNeo Light" panose="020B0300000101010101" pitchFamily="34" charset="-127"/>
+                          <a:cs typeface="Microsoft GothicNeo Light" panose="020B0300000101010101" pitchFamily="34" charset="-127"/>
+                        </a:rPr>
+                        <a:t>022-04-06</a:t>
+                      </a:r>
                       <a:endParaRPr lang="ko-Kore-KR" altLang="en-US" sz="1100" b="0" i="0" dirty="0">
                         <a:latin typeface="Microsoft GothicNeo Light" panose="020B0300000101010101" pitchFamily="34" charset="-127"/>
                         <a:ea typeface="Microsoft GothicNeo Light" panose="020B0300000101010101" pitchFamily="34" charset="-127"/>
@@ -4220,12 +4347,45 @@
                     <a:bodyPr/>
                     <a:lstStyle/>
                     <a:p>
-                      <a:pPr algn="ctr"/>
-                      <a:endParaRPr lang="ko-Kore-KR" altLang="en-US" sz="1100" b="0" i="0" dirty="0">
+                      <a:pPr marL="171450" indent="-171450" algn="l">
+                        <a:buFont typeface="Arial" panose="020B0604020202020204" pitchFamily="34" charset="0"/>
+                        <a:buChar char="•"/>
+                      </a:pPr>
+                      <a:r>
+                        <a:rPr lang="ko-Kore-KR" altLang="en-US" sz="1100" b="0" i="0" dirty="0">
+                          <a:latin typeface="Microsoft GothicNeo Light" panose="020B0300000101010101" pitchFamily="34" charset="-127"/>
+                          <a:ea typeface="Microsoft GothicNeo Light" panose="020B0300000101010101" pitchFamily="34" charset="-127"/>
+                          <a:cs typeface="Microsoft GothicNeo Light" panose="020B0300000101010101" pitchFamily="34" charset="-127"/>
+                        </a:rPr>
+                        <a:t>응답 관련 여부 체크</a:t>
+                      </a:r>
+                      <a:endParaRPr lang="en-US" altLang="ko-Kore-KR" sz="1100" b="0" i="0" dirty="0">
                         <a:latin typeface="Microsoft GothicNeo Light" panose="020B0300000101010101" pitchFamily="34" charset="-127"/>
                         <a:ea typeface="Microsoft GothicNeo Light" panose="020B0300000101010101" pitchFamily="34" charset="-127"/>
                         <a:cs typeface="Microsoft GothicNeo Light" panose="020B0300000101010101" pitchFamily="34" charset="-127"/>
                       </a:endParaRPr>
+                    </a:p>
+                    <a:p>
+                      <a:pPr marL="171450" indent="-171450" algn="l">
+                        <a:buFont typeface="Arial" panose="020B0604020202020204" pitchFamily="34" charset="0"/>
+                        <a:buChar char="•"/>
+                      </a:pPr>
+                      <a:r>
+                        <a:rPr lang="en-US" altLang="ko-Kore-KR" sz="1100" b="0" i="0" dirty="0">
+                          <a:latin typeface="Microsoft GothicNeo Light" panose="020B0300000101010101" pitchFamily="34" charset="-127"/>
+                          <a:ea typeface="Microsoft GothicNeo Light" panose="020B0300000101010101" pitchFamily="34" charset="-127"/>
+                          <a:cs typeface="Microsoft GothicNeo Light" panose="020B0300000101010101" pitchFamily="34" charset="-127"/>
+                        </a:rPr>
+                        <a:t>DB </a:t>
+                      </a:r>
+                      <a:r>
+                        <a:rPr lang="ko-Kore-KR" altLang="en-US" sz="1100" b="0" i="0" dirty="0">
+                          <a:latin typeface="Microsoft GothicNeo Light" panose="020B0300000101010101" pitchFamily="34" charset="-127"/>
+                          <a:ea typeface="Microsoft GothicNeo Light" panose="020B0300000101010101" pitchFamily="34" charset="-127"/>
+                          <a:cs typeface="Microsoft GothicNeo Light" panose="020B0300000101010101" pitchFamily="34" charset="-127"/>
+                        </a:rPr>
+                        <a:t>컬럼 파라미터와 일치</a:t>
+                      </a:r>
                     </a:p>
                   </a:txBody>
                   <a:tcPr anchor="ctr">
@@ -4283,7 +4443,118 @@
                     <a:bodyPr/>
                     <a:lstStyle/>
                     <a:p>
-                      <a:pPr algn="ctr"/>
+                      <a:pPr marL="171450" marR="0" lvl="0" indent="-171450" algn="l" defTabSz="685800" rtl="0" eaLnBrk="1" fontAlgn="auto" latinLnBrk="0" hangingPunct="1">
+                        <a:lnSpc>
+                          <a:spcPct val="100000"/>
+                        </a:lnSpc>
+                        <a:spcBef>
+                          <a:spcPts val="0"/>
+                        </a:spcBef>
+                        <a:spcAft>
+                          <a:spcPts val="0"/>
+                        </a:spcAft>
+                        <a:buClrTx/>
+                        <a:buSzTx/>
+                        <a:buFont typeface="Arial" panose="020B0604020202020204" pitchFamily="34" charset="0"/>
+                        <a:buChar char="•"/>
+                        <a:tabLst/>
+                        <a:defRPr/>
+                      </a:pPr>
+                      <a:r>
+                        <a:rPr lang="ko-Kore-KR" altLang="en-US" sz="1100" b="0" i="0" kern="1200" dirty="0">
+                          <a:solidFill>
+                            <a:schemeClr val="dk1"/>
+                          </a:solidFill>
+                          <a:latin typeface="Microsoft GothicNeo Light" panose="020B0300000101010101" pitchFamily="34" charset="-127"/>
+                          <a:ea typeface="Microsoft GothicNeo Light" panose="020B0300000101010101" pitchFamily="34" charset="-127"/>
+                          <a:cs typeface="Microsoft GothicNeo Light" panose="020B0300000101010101" pitchFamily="34" charset="-127"/>
+                        </a:rPr>
+                        <a:t>공통사항에 </a:t>
+                      </a:r>
+                      <a:r>
+                        <a:rPr lang="en" altLang="ko-Kore-KR" sz="1100" b="0" i="0" kern="1200" dirty="0" err="1">
+                          <a:solidFill>
+                            <a:schemeClr val="dk1"/>
+                          </a:solidFill>
+                          <a:latin typeface="Microsoft GothicNeo Light" panose="020B0300000101010101" pitchFamily="34" charset="-127"/>
+                          <a:ea typeface="Microsoft GothicNeo Light" panose="020B0300000101010101" pitchFamily="34" charset="-127"/>
+                          <a:cs typeface="Microsoft GothicNeo Light" panose="020B0300000101010101" pitchFamily="34" charset="-127"/>
+                        </a:rPr>
+                        <a:t>responseCode</a:t>
+                      </a:r>
+                      <a:r>
+                        <a:rPr lang="en" altLang="ko-Kore-KR" sz="1100" b="0" i="0" kern="1200" dirty="0">
+                          <a:solidFill>
+                            <a:schemeClr val="dk1"/>
+                          </a:solidFill>
+                          <a:latin typeface="Microsoft GothicNeo Light" panose="020B0300000101010101" pitchFamily="34" charset="-127"/>
+                          <a:ea typeface="Microsoft GothicNeo Light" panose="020B0300000101010101" pitchFamily="34" charset="-127"/>
+                          <a:cs typeface="Microsoft GothicNeo Light" panose="020B0300000101010101" pitchFamily="34" charset="-127"/>
+                        </a:rPr>
+                        <a:t> </a:t>
+                      </a:r>
+                      <a:r>
+                        <a:rPr lang="ko-Kore-KR" altLang="en-US" sz="1100" b="0" i="0" kern="1200" dirty="0">
+                          <a:solidFill>
+                            <a:schemeClr val="dk1"/>
+                          </a:solidFill>
+                          <a:latin typeface="Microsoft GothicNeo Light" panose="020B0300000101010101" pitchFamily="34" charset="-127"/>
+                          <a:ea typeface="Microsoft GothicNeo Light" panose="020B0300000101010101" pitchFamily="34" charset="-127"/>
+                          <a:cs typeface="Microsoft GothicNeo Light" panose="020B0300000101010101" pitchFamily="34" charset="-127"/>
+                        </a:rPr>
+                        <a:t>추가</a:t>
+                      </a:r>
+                      <a:endParaRPr lang="en-US" altLang="ko-Kore-KR" sz="1100" b="0" i="0" kern="1200" dirty="0">
+                        <a:solidFill>
+                          <a:schemeClr val="dk1"/>
+                        </a:solidFill>
+                        <a:latin typeface="Microsoft GothicNeo Light" panose="020B0300000101010101" pitchFamily="34" charset="-127"/>
+                        <a:ea typeface="Microsoft GothicNeo Light" panose="020B0300000101010101" pitchFamily="34" charset="-127"/>
+                        <a:cs typeface="Microsoft GothicNeo Light" panose="020B0300000101010101" pitchFamily="34" charset="-127"/>
+                      </a:endParaRPr>
+                    </a:p>
+                    <a:p>
+                      <a:pPr marL="171450" marR="0" lvl="0" indent="-171450" algn="l" defTabSz="685800" rtl="0" eaLnBrk="1" fontAlgn="auto" latinLnBrk="0" hangingPunct="1">
+                        <a:lnSpc>
+                          <a:spcPct val="100000"/>
+                        </a:lnSpc>
+                        <a:spcBef>
+                          <a:spcPts val="0"/>
+                        </a:spcBef>
+                        <a:spcAft>
+                          <a:spcPts val="0"/>
+                        </a:spcAft>
+                        <a:buClrTx/>
+                        <a:buSzTx/>
+                        <a:buFont typeface="Arial" panose="020B0604020202020204" pitchFamily="34" charset="0"/>
+                        <a:buChar char="•"/>
+                        <a:tabLst/>
+                        <a:defRPr/>
+                      </a:pPr>
+                      <a:r>
+                        <a:rPr lang="ko-Kore-KR" altLang="en-US" sz="1100" b="0" i="0" dirty="0">
+                          <a:latin typeface="Microsoft GothicNeo Light" panose="020B0300000101010101" pitchFamily="34" charset="-127"/>
+                          <a:ea typeface="Microsoft GothicNeo Light" panose="020B0300000101010101" pitchFamily="34" charset="-127"/>
+                          <a:cs typeface="Microsoft GothicNeo Light" panose="020B0300000101010101" pitchFamily="34" charset="-127"/>
+                        </a:rPr>
+                        <a:t>년도 파라미터 변경</a:t>
+                      </a:r>
+                      <a:r>
+                        <a:rPr lang="en-US" altLang="ko-Kore-KR" sz="1100" b="0" i="0" dirty="0">
+                          <a:latin typeface="Microsoft GothicNeo Light" panose="020B0300000101010101" pitchFamily="34" charset="-127"/>
+                          <a:ea typeface="Microsoft GothicNeo Light" panose="020B0300000101010101" pitchFamily="34" charset="-127"/>
+                          <a:cs typeface="Microsoft GothicNeo Light" panose="020B0300000101010101" pitchFamily="34" charset="-127"/>
+                        </a:rPr>
+                        <a:t>(YYYY -&gt; YY</a:t>
+                      </a:r>
+                      <a:r>
+                        <a:rPr lang="en-US" altLang="ko-KR" sz="1100" b="0" i="0" dirty="0">
+                          <a:latin typeface="Microsoft GothicNeo Light" panose="020B0300000101010101" pitchFamily="34" charset="-127"/>
+                          <a:ea typeface="Microsoft GothicNeo Light" panose="020B0300000101010101" pitchFamily="34" charset="-127"/>
+                          <a:cs typeface="Microsoft GothicNeo Light" panose="020B0300000101010101" pitchFamily="34" charset="-127"/>
+                        </a:rPr>
+                        <a:t>)</a:t>
+                      </a:r>
                       <a:endParaRPr lang="ko-Kore-KR" altLang="en-US" sz="1100" b="0" i="0" dirty="0">
                         <a:latin typeface="Microsoft GothicNeo Light" panose="020B0300000101010101" pitchFamily="34" charset="-127"/>
                         <a:ea typeface="Microsoft GothicNeo Light" panose="020B0300000101010101" pitchFamily="34" charset="-127"/>
@@ -4480,14 +4751,14 @@
           <p:nvPr>
             <p:extLst>
               <p:ext uri="{D42A27DB-BD31-4B8C-83A1-F6EECF244321}">
-                <p14:modId xmlns:p14="http://schemas.microsoft.com/office/powerpoint/2010/main" val="3848749814"/>
+                <p14:modId xmlns:p14="http://schemas.microsoft.com/office/powerpoint/2010/main" val="1249562356"/>
               </p:ext>
             </p:extLst>
           </p:nvPr>
         </p:nvGraphicFramePr>
         <p:xfrm>
           <a:off x="462454" y="1081470"/>
-          <a:ext cx="4976650" cy="739958"/>
+          <a:ext cx="5638801" cy="739958"/>
         </p:xfrm>
         <a:graphic>
           <a:graphicData uri="http://schemas.openxmlformats.org/drawingml/2006/table">
@@ -4496,28 +4767,35 @@
                 <a:tableStyleId>{5C22544A-7EE6-4342-B048-85BDC9FD1C3A}</a:tableStyleId>
               </a:tblPr>
               <a:tblGrid>
-                <a:gridCol w="603899">
+                <a:gridCol w="684249">
                   <a:extLst>
                     <a:ext uri="{9D8B030D-6E8A-4147-A177-3AD203B41FA5}">
                       <a16:colId xmlns:a16="http://schemas.microsoft.com/office/drawing/2014/main" val="3303756810"/>
                     </a:ext>
                   </a:extLst>
                 </a:gridCol>
-                <a:gridCol w="1626557">
+                <a:gridCol w="1489817">
                   <a:extLst>
                     <a:ext uri="{9D8B030D-6E8A-4147-A177-3AD203B41FA5}">
                       <a16:colId xmlns:a16="http://schemas.microsoft.com/office/drawing/2014/main" val="1318994601"/>
                     </a:ext>
                   </a:extLst>
                 </a:gridCol>
-                <a:gridCol w="1079963">
+                <a:gridCol w="685800">
                   <a:extLst>
                     <a:ext uri="{9D8B030D-6E8A-4147-A177-3AD203B41FA5}">
                       <a16:colId xmlns:a16="http://schemas.microsoft.com/office/drawing/2014/main" val="865865100"/>
                     </a:ext>
                   </a:extLst>
                 </a:gridCol>
-                <a:gridCol w="1666231">
+                <a:gridCol w="891010">
+                  <a:extLst>
+                    <a:ext uri="{9D8B030D-6E8A-4147-A177-3AD203B41FA5}">
+                      <a16:colId xmlns:a16="http://schemas.microsoft.com/office/drawing/2014/main" val="3138107309"/>
+                    </a:ext>
+                  </a:extLst>
+                </a:gridCol>
+                <a:gridCol w="1887925">
                   <a:extLst>
                     <a:ext uri="{9D8B030D-6E8A-4147-A177-3AD203B41FA5}">
                       <a16:colId xmlns:a16="http://schemas.microsoft.com/office/drawing/2014/main" val="3798114323"/>
@@ -4700,6 +4978,77 @@
                           <a:cs typeface="Microsoft GothicNeo" panose="020B0500000101010101" pitchFamily="34" charset="-127"/>
                         </a:rPr>
                         <a:t>type</a:t>
+                      </a:r>
+                    </a:p>
+                  </a:txBody>
+                  <a:tcPr anchor="ctr">
+                    <a:lnL w="6350" cap="flat" cmpd="sng" algn="ctr">
+                      <a:solidFill>
+                        <a:schemeClr val="bg1">
+                          <a:lumMod val="50000"/>
+                        </a:schemeClr>
+                      </a:solidFill>
+                      <a:prstDash val="solid"/>
+                      <a:round/>
+                      <a:headEnd type="none" w="med" len="med"/>
+                      <a:tailEnd type="none" w="med" len="med"/>
+                    </a:lnL>
+                    <a:lnR w="6350" cap="flat" cmpd="sng" algn="ctr">
+                      <a:solidFill>
+                        <a:schemeClr val="bg1">
+                          <a:lumMod val="50000"/>
+                        </a:schemeClr>
+                      </a:solidFill>
+                      <a:prstDash val="solid"/>
+                      <a:round/>
+                      <a:headEnd type="none" w="med" len="med"/>
+                      <a:tailEnd type="none" w="med" len="med"/>
+                    </a:lnR>
+                    <a:lnT w="6350" cap="flat" cmpd="sng" algn="ctr">
+                      <a:solidFill>
+                        <a:schemeClr val="bg1">
+                          <a:lumMod val="50000"/>
+                        </a:schemeClr>
+                      </a:solidFill>
+                      <a:prstDash val="solid"/>
+                      <a:round/>
+                      <a:headEnd type="none" w="med" len="med"/>
+                      <a:tailEnd type="none" w="med" len="med"/>
+                    </a:lnT>
+                    <a:lnB w="6350" cap="flat" cmpd="sng" algn="ctr">
+                      <a:solidFill>
+                        <a:schemeClr val="bg1">
+                          <a:lumMod val="50000"/>
+                        </a:schemeClr>
+                      </a:solidFill>
+                      <a:prstDash val="solid"/>
+                      <a:round/>
+                      <a:headEnd type="none" w="med" len="med"/>
+                      <a:tailEnd type="none" w="med" len="med"/>
+                    </a:lnB>
+                    <a:solidFill>
+                      <a:schemeClr val="bg1">
+                        <a:lumMod val="85000"/>
+                      </a:schemeClr>
+                    </a:solidFill>
+                  </a:tcPr>
+                </a:tc>
+                <a:tc>
+                  <a:txBody>
+                    <a:bodyPr/>
+                    <a:lstStyle/>
+                    <a:p>
+                      <a:pPr algn="ctr"/>
+                      <a:r>
+                        <a:rPr lang="en-US" altLang="ko-Kore-KR" sz="1100" b="0" i="0" dirty="0">
+                          <a:solidFill>
+                            <a:schemeClr val="tx1"/>
+                          </a:solidFill>
+                          <a:latin typeface="Microsoft GothicNeo" panose="020B0500000101010101" pitchFamily="34" charset="-127"/>
+                          <a:ea typeface="Microsoft GothicNeo" panose="020B0500000101010101" pitchFamily="34" charset="-127"/>
+                          <a:cs typeface="Microsoft GothicNeo" panose="020B0500000101010101" pitchFamily="34" charset="-127"/>
+                        </a:rPr>
+                        <a:t>Mandatory</a:t>
                       </a:r>
                       <a:endParaRPr lang="ko-Kore-KR" altLang="en-US" sz="1100" b="0" i="0" dirty="0">
                         <a:solidFill>
@@ -5004,6 +5353,77 @@
                           <a:cs typeface="Microsoft GothicNeo Light" panose="020B0300000101010101" pitchFamily="34" charset="-127"/>
                         </a:rPr>
                         <a:t>Number</a:t>
+                      </a:r>
+                      <a:endParaRPr lang="ko-Kore-KR" altLang="en-US" sz="1100" b="0" i="0" dirty="0">
+                        <a:latin typeface="Microsoft GothicNeo Light" panose="020B0300000101010101" pitchFamily="34" charset="-127"/>
+                        <a:ea typeface="Microsoft GothicNeo Light" panose="020B0300000101010101" pitchFamily="34" charset="-127"/>
+                        <a:cs typeface="Microsoft GothicNeo Light" panose="020B0300000101010101" pitchFamily="34" charset="-127"/>
+                      </a:endParaRPr>
+                    </a:p>
+                  </a:txBody>
+                  <a:tcPr anchor="ctr">
+                    <a:lnL w="6350" cap="flat" cmpd="sng" algn="ctr">
+                      <a:solidFill>
+                        <a:schemeClr val="bg1">
+                          <a:lumMod val="50000"/>
+                        </a:schemeClr>
+                      </a:solidFill>
+                      <a:prstDash val="solid"/>
+                      <a:round/>
+                      <a:headEnd type="none" w="med" len="med"/>
+                      <a:tailEnd type="none" w="med" len="med"/>
+                    </a:lnL>
+                    <a:lnR w="6350" cap="flat" cmpd="sng" algn="ctr">
+                      <a:solidFill>
+                        <a:schemeClr val="bg1">
+                          <a:lumMod val="50000"/>
+                        </a:schemeClr>
+                      </a:solidFill>
+                      <a:prstDash val="solid"/>
+                      <a:round/>
+                      <a:headEnd type="none" w="med" len="med"/>
+                      <a:tailEnd type="none" w="med" len="med"/>
+                    </a:lnR>
+                    <a:lnT w="6350" cap="flat" cmpd="sng" algn="ctr">
+                      <a:solidFill>
+                        <a:schemeClr val="bg1">
+                          <a:lumMod val="50000"/>
+                        </a:schemeClr>
+                      </a:solidFill>
+                      <a:prstDash val="solid"/>
+                      <a:round/>
+                      <a:headEnd type="none" w="med" len="med"/>
+                      <a:tailEnd type="none" w="med" len="med"/>
+                    </a:lnT>
+                    <a:lnB w="6350" cap="flat" cmpd="sng" algn="ctr">
+                      <a:solidFill>
+                        <a:schemeClr val="bg1">
+                          <a:lumMod val="50000"/>
+                        </a:schemeClr>
+                      </a:solidFill>
+                      <a:prstDash val="solid"/>
+                      <a:round/>
+                      <a:headEnd type="none" w="med" len="med"/>
+                      <a:tailEnd type="none" w="med" len="med"/>
+                    </a:lnB>
+                    <a:solidFill>
+                      <a:schemeClr val="bg1"/>
+                    </a:solidFill>
+                  </a:tcPr>
+                </a:tc>
+                <a:tc>
+                  <a:txBody>
+                    <a:bodyPr/>
+                    <a:lstStyle/>
+                    <a:p>
+                      <a:pPr algn="ctr"/>
+                      <a:r>
+                        <a:rPr lang="en-US" altLang="ko-Kore-KR" sz="1100" b="0" i="0" dirty="0">
+                          <a:latin typeface="Microsoft GothicNeo Light" panose="020B0300000101010101" pitchFamily="34" charset="-127"/>
+                          <a:ea typeface="Microsoft GothicNeo Light" panose="020B0300000101010101" pitchFamily="34" charset="-127"/>
+                          <a:cs typeface="Microsoft GothicNeo Light" panose="020B0300000101010101" pitchFamily="34" charset="-127"/>
+                        </a:rPr>
+                        <a:t>X</a:t>
                       </a:r>
                       <a:endParaRPr lang="ko-Kore-KR" altLang="en-US" sz="1100" b="0" i="0" dirty="0">
                         <a:latin typeface="Microsoft GothicNeo Light" panose="020B0300000101010101" pitchFamily="34" charset="-127"/>
@@ -5584,7 +6004,7 @@
         <p:spPr>
           <a:xfrm>
             <a:off x="604345" y="3752603"/>
-            <a:ext cx="2987566" cy="2246769"/>
+            <a:ext cx="2987566" cy="2523768"/>
           </a:xfrm>
           <a:prstGeom prst="rect">
             <a:avLst/>
@@ -5699,6 +6119,75 @@
               </a:rPr>
               <a:t>”: false,</a:t>
             </a:r>
+          </a:p>
+          <a:p>
+            <a:r>
+              <a:rPr kumimoji="1" lang="en-US" altLang="ko-Kore-KR" sz="1400" b="1" dirty="0">
+                <a:solidFill>
+                  <a:schemeClr val="tx1">
+                    <a:lumMod val="85000"/>
+                    <a:lumOff val="15000"/>
+                  </a:schemeClr>
+                </a:solidFill>
+                <a:latin typeface="Microsoft GothicNeo" panose="020B0500000101010101" pitchFamily="34" charset="-127"/>
+                <a:ea typeface="Microsoft GothicNeo" panose="020B0500000101010101" pitchFamily="34" charset="-127"/>
+                <a:cs typeface="Microsoft GothicNeo" panose="020B0500000101010101" pitchFamily="34" charset="-127"/>
+              </a:rPr>
+              <a:t>	</a:t>
+            </a:r>
+            <a:r>
+              <a:rPr kumimoji="1" lang="en-US" altLang="ko-KR" sz="1400" b="1" dirty="0">
+                <a:solidFill>
+                  <a:schemeClr val="tx1">
+                    <a:lumMod val="85000"/>
+                    <a:lumOff val="15000"/>
+                  </a:schemeClr>
+                </a:solidFill>
+                <a:latin typeface="Microsoft GothicNeo" panose="020B0500000101010101" pitchFamily="34" charset="-127"/>
+                <a:ea typeface="Microsoft GothicNeo" panose="020B0500000101010101" pitchFamily="34" charset="-127"/>
+                <a:cs typeface="Microsoft GothicNeo" panose="020B0500000101010101" pitchFamily="34" charset="-127"/>
+              </a:rPr>
+              <a:t>“</a:t>
+            </a:r>
+            <a:r>
+              <a:rPr kumimoji="1" lang="en" altLang="ko-Kore-KR" sz="1400" b="1" dirty="0" err="1">
+                <a:solidFill>
+                  <a:schemeClr val="tx1">
+                    <a:lumMod val="85000"/>
+                    <a:lumOff val="15000"/>
+                  </a:schemeClr>
+                </a:solidFill>
+                <a:latin typeface="Microsoft GothicNeo" panose="020B0500000101010101" pitchFamily="34" charset="-127"/>
+                <a:ea typeface="Microsoft GothicNeo" panose="020B0500000101010101" pitchFamily="34" charset="-127"/>
+                <a:cs typeface="Microsoft GothicNeo" panose="020B0500000101010101" pitchFamily="34" charset="-127"/>
+              </a:rPr>
+              <a:t>responseCode</a:t>
+            </a:r>
+            <a:r>
+              <a:rPr kumimoji="1" lang="en-US" altLang="ko-KR" sz="1400" b="1" dirty="0">
+                <a:solidFill>
+                  <a:schemeClr val="tx1">
+                    <a:lumMod val="85000"/>
+                    <a:lumOff val="15000"/>
+                  </a:schemeClr>
+                </a:solidFill>
+                <a:latin typeface="Microsoft GothicNeo" panose="020B0500000101010101" pitchFamily="34" charset="-127"/>
+                <a:ea typeface="Microsoft GothicNeo" panose="020B0500000101010101" pitchFamily="34" charset="-127"/>
+                <a:cs typeface="Microsoft GothicNeo" panose="020B0500000101010101" pitchFamily="34" charset="-127"/>
+              </a:rPr>
+              <a:t>”:200,</a:t>
+            </a:r>
+            <a:endParaRPr kumimoji="1" lang="en-US" altLang="ko-Kore-KR" sz="1400" b="1" dirty="0">
+              <a:solidFill>
+                <a:schemeClr val="tx1">
+                  <a:lumMod val="85000"/>
+                  <a:lumOff val="15000"/>
+                </a:schemeClr>
+              </a:solidFill>
+              <a:latin typeface="Microsoft GothicNeo" panose="020B0500000101010101" pitchFamily="34" charset="-127"/>
+              <a:ea typeface="Microsoft GothicNeo" panose="020B0500000101010101" pitchFamily="34" charset="-127"/>
+              <a:cs typeface="Microsoft GothicNeo" panose="020B0500000101010101" pitchFamily="34" charset="-127"/>
+            </a:endParaRPr>
           </a:p>
           <a:p>
             <a:r>
@@ -5840,14 +6329,14 @@
           <p:nvPr>
             <p:extLst>
               <p:ext uri="{D42A27DB-BD31-4B8C-83A1-F6EECF244321}">
-                <p14:modId xmlns:p14="http://schemas.microsoft.com/office/powerpoint/2010/main" val="1950504971"/>
+                <p14:modId xmlns:p14="http://schemas.microsoft.com/office/powerpoint/2010/main" val="3011595687"/>
               </p:ext>
             </p:extLst>
           </p:nvPr>
         </p:nvGraphicFramePr>
         <p:xfrm>
           <a:off x="462454" y="7091756"/>
-          <a:ext cx="5638801" cy="1479916"/>
+          <a:ext cx="5638801" cy="1906636"/>
         </p:xfrm>
         <a:graphic>
           <a:graphicData uri="http://schemas.openxmlformats.org/drawingml/2006/table">
@@ -5870,14 +6359,14 @@
                     </a:ext>
                   </a:extLst>
                 </a:gridCol>
-                <a:gridCol w="1166648">
+                <a:gridCol w="1305385">
                   <a:extLst>
                     <a:ext uri="{9D8B030D-6E8A-4147-A177-3AD203B41FA5}">
                       <a16:colId xmlns:a16="http://schemas.microsoft.com/office/drawing/2014/main" val="865865100"/>
                     </a:ext>
                   </a:extLst>
                 </a:gridCol>
-                <a:gridCol w="1576552">
+                <a:gridCol w="1437815">
                   <a:extLst>
                     <a:ext uri="{9D8B030D-6E8A-4147-A177-3AD203B41FA5}">
                       <a16:colId xmlns:a16="http://schemas.microsoft.com/office/drawing/2014/main" val="3798114323"/>
@@ -6795,6 +7284,298 @@
                 <a:extLst>
                   <a:ext uri="{0D108BD9-81ED-4DB2-BD59-A6C34878D82A}">
                     <a16:rowId xmlns:a16="http://schemas.microsoft.com/office/drawing/2014/main" val="2204217200"/>
+                  </a:ext>
+                </a:extLst>
+              </a:tr>
+              <a:tr h="369979">
+                <a:tc>
+                  <a:txBody>
+                    <a:bodyPr/>
+                    <a:lstStyle/>
+                    <a:p>
+                      <a:pPr algn="ctr"/>
+                      <a:r>
+                        <a:rPr lang="en-US" altLang="ko-Kore-KR" sz="1100" b="0" i="0" dirty="0" err="1">
+                          <a:latin typeface="Microsoft GothicNeo Light" panose="020B0300000101010101" pitchFamily="34" charset="-127"/>
+                          <a:ea typeface="Microsoft GothicNeo Light" panose="020B0300000101010101" pitchFamily="34" charset="-127"/>
+                          <a:cs typeface="Microsoft GothicNeo Light" panose="020B0300000101010101" pitchFamily="34" charset="-127"/>
+                        </a:rPr>
+                        <a:t>responseCode</a:t>
+                      </a:r>
+                      <a:endParaRPr lang="ko-Kore-KR" altLang="en-US" sz="1100" b="0" i="0" dirty="0">
+                        <a:latin typeface="Microsoft GothicNeo Light" panose="020B0300000101010101" pitchFamily="34" charset="-127"/>
+                        <a:ea typeface="Microsoft GothicNeo Light" panose="020B0300000101010101" pitchFamily="34" charset="-127"/>
+                        <a:cs typeface="Microsoft GothicNeo Light" panose="020B0300000101010101" pitchFamily="34" charset="-127"/>
+                      </a:endParaRPr>
+                    </a:p>
+                  </a:txBody>
+                  <a:tcPr anchor="ctr">
+                    <a:lnL w="6350" cap="flat" cmpd="sng" algn="ctr">
+                      <a:solidFill>
+                        <a:schemeClr val="bg1">
+                          <a:lumMod val="50000"/>
+                        </a:schemeClr>
+                      </a:solidFill>
+                      <a:prstDash val="solid"/>
+                      <a:round/>
+                      <a:headEnd type="none" w="med" len="med"/>
+                      <a:tailEnd type="none" w="med" len="med"/>
+                    </a:lnL>
+                    <a:lnR w="6350" cap="flat" cmpd="sng" algn="ctr">
+                      <a:solidFill>
+                        <a:schemeClr val="bg1">
+                          <a:lumMod val="50000"/>
+                        </a:schemeClr>
+                      </a:solidFill>
+                      <a:prstDash val="solid"/>
+                      <a:round/>
+                      <a:headEnd type="none" w="med" len="med"/>
+                      <a:tailEnd type="none" w="med" len="med"/>
+                    </a:lnR>
+                    <a:lnT w="6350" cap="flat" cmpd="sng" algn="ctr">
+                      <a:solidFill>
+                        <a:schemeClr val="bg1">
+                          <a:lumMod val="50000"/>
+                        </a:schemeClr>
+                      </a:solidFill>
+                      <a:prstDash val="solid"/>
+                      <a:round/>
+                      <a:headEnd type="none" w="med" len="med"/>
+                      <a:tailEnd type="none" w="med" len="med"/>
+                    </a:lnT>
+                    <a:lnB w="6350" cap="flat" cmpd="sng" algn="ctr">
+                      <a:solidFill>
+                        <a:schemeClr val="bg1">
+                          <a:lumMod val="50000"/>
+                        </a:schemeClr>
+                      </a:solidFill>
+                      <a:prstDash val="solid"/>
+                      <a:round/>
+                      <a:headEnd type="none" w="med" len="med"/>
+                      <a:tailEnd type="none" w="med" len="med"/>
+                    </a:lnB>
+                    <a:solidFill>
+                      <a:schemeClr val="bg1"/>
+                    </a:solidFill>
+                  </a:tcPr>
+                </a:tc>
+                <a:tc>
+                  <a:txBody>
+                    <a:bodyPr/>
+                    <a:lstStyle/>
+                    <a:p>
+                      <a:pPr algn="ctr"/>
+                      <a:r>
+                        <a:rPr lang="ko-Kore-KR" altLang="en-US" sz="1100" b="0" i="0" dirty="0">
+                          <a:latin typeface="Microsoft GothicNeo Light" panose="020B0300000101010101" pitchFamily="34" charset="-127"/>
+                          <a:ea typeface="Microsoft GothicNeo Light" panose="020B0300000101010101" pitchFamily="34" charset="-127"/>
+                          <a:cs typeface="Microsoft GothicNeo Light" panose="020B0300000101010101" pitchFamily="34" charset="-127"/>
+                        </a:rPr>
+                        <a:t>응답 상태 코드</a:t>
+                      </a:r>
+                    </a:p>
+                  </a:txBody>
+                  <a:tcPr anchor="ctr">
+                    <a:lnL w="6350" cap="flat" cmpd="sng" algn="ctr">
+                      <a:solidFill>
+                        <a:schemeClr val="bg1">
+                          <a:lumMod val="50000"/>
+                        </a:schemeClr>
+                      </a:solidFill>
+                      <a:prstDash val="solid"/>
+                      <a:round/>
+                      <a:headEnd type="none" w="med" len="med"/>
+                      <a:tailEnd type="none" w="med" len="med"/>
+                    </a:lnL>
+                    <a:lnR w="6350" cap="flat" cmpd="sng" algn="ctr">
+                      <a:solidFill>
+                        <a:schemeClr val="bg1">
+                          <a:lumMod val="50000"/>
+                        </a:schemeClr>
+                      </a:solidFill>
+                      <a:prstDash val="solid"/>
+                      <a:round/>
+                      <a:headEnd type="none" w="med" len="med"/>
+                      <a:tailEnd type="none" w="med" len="med"/>
+                    </a:lnR>
+                    <a:lnT w="6350" cap="flat" cmpd="sng" algn="ctr">
+                      <a:solidFill>
+                        <a:schemeClr val="bg1">
+                          <a:lumMod val="50000"/>
+                        </a:schemeClr>
+                      </a:solidFill>
+                      <a:prstDash val="solid"/>
+                      <a:round/>
+                      <a:headEnd type="none" w="med" len="med"/>
+                      <a:tailEnd type="none" w="med" len="med"/>
+                    </a:lnT>
+                    <a:lnB w="6350" cap="flat" cmpd="sng" algn="ctr">
+                      <a:solidFill>
+                        <a:schemeClr val="bg1">
+                          <a:lumMod val="50000"/>
+                        </a:schemeClr>
+                      </a:solidFill>
+                      <a:prstDash val="solid"/>
+                      <a:round/>
+                      <a:headEnd type="none" w="med" len="med"/>
+                      <a:tailEnd type="none" w="med" len="med"/>
+                    </a:lnB>
+                    <a:solidFill>
+                      <a:schemeClr val="bg1"/>
+                    </a:solidFill>
+                  </a:tcPr>
+                </a:tc>
+                <a:tc>
+                  <a:txBody>
+                    <a:bodyPr/>
+                    <a:lstStyle/>
+                    <a:p>
+                      <a:pPr algn="ctr"/>
+                      <a:r>
+                        <a:rPr lang="en-US" altLang="ko-Kore-KR" sz="1100" b="0" i="0" dirty="0">
+                          <a:latin typeface="Microsoft GothicNeo Light" panose="020B0300000101010101" pitchFamily="34" charset="-127"/>
+                          <a:ea typeface="Microsoft GothicNeo Light" panose="020B0300000101010101" pitchFamily="34" charset="-127"/>
+                          <a:cs typeface="Microsoft GothicNeo Light" panose="020B0300000101010101" pitchFamily="34" charset="-127"/>
+                        </a:rPr>
+                        <a:t>2</a:t>
+                      </a:r>
+                      <a:r>
+                        <a:rPr lang="en-US" altLang="ko-KR" sz="1100" b="0" i="0" dirty="0">
+                          <a:latin typeface="Microsoft GothicNeo Light" panose="020B0300000101010101" pitchFamily="34" charset="-127"/>
+                          <a:ea typeface="Microsoft GothicNeo Light" panose="020B0300000101010101" pitchFamily="34" charset="-127"/>
+                          <a:cs typeface="Microsoft GothicNeo Light" panose="020B0300000101010101" pitchFamily="34" charset="-127"/>
+                        </a:rPr>
+                        <a:t>00 OK</a:t>
+                      </a:r>
+                    </a:p>
+                    <a:p>
+                      <a:pPr algn="ctr"/>
+                      <a:r>
+                        <a:rPr lang="en-US" altLang="ko-KR" sz="1100" b="0" i="0" dirty="0">
+                          <a:latin typeface="Microsoft GothicNeo Light" panose="020B0300000101010101" pitchFamily="34" charset="-127"/>
+                          <a:ea typeface="Microsoft GothicNeo Light" panose="020B0300000101010101" pitchFamily="34" charset="-127"/>
+                          <a:cs typeface="Microsoft GothicNeo Light" panose="020B0300000101010101" pitchFamily="34" charset="-127"/>
+                        </a:rPr>
+                        <a:t>400 Bad Request</a:t>
+                      </a:r>
+                    </a:p>
+                  </a:txBody>
+                  <a:tcPr anchor="ctr">
+                    <a:lnL w="6350" cap="flat" cmpd="sng" algn="ctr">
+                      <a:solidFill>
+                        <a:schemeClr val="bg1">
+                          <a:lumMod val="50000"/>
+                        </a:schemeClr>
+                      </a:solidFill>
+                      <a:prstDash val="solid"/>
+                      <a:round/>
+                      <a:headEnd type="none" w="med" len="med"/>
+                      <a:tailEnd type="none" w="med" len="med"/>
+                    </a:lnL>
+                    <a:lnR w="6350" cap="flat" cmpd="sng" algn="ctr">
+                      <a:solidFill>
+                        <a:schemeClr val="bg1">
+                          <a:lumMod val="50000"/>
+                        </a:schemeClr>
+                      </a:solidFill>
+                      <a:prstDash val="solid"/>
+                      <a:round/>
+                      <a:headEnd type="none" w="med" len="med"/>
+                      <a:tailEnd type="none" w="med" len="med"/>
+                    </a:lnR>
+                    <a:lnT w="6350" cap="flat" cmpd="sng" algn="ctr">
+                      <a:solidFill>
+                        <a:schemeClr val="bg1">
+                          <a:lumMod val="50000"/>
+                        </a:schemeClr>
+                      </a:solidFill>
+                      <a:prstDash val="solid"/>
+                      <a:round/>
+                      <a:headEnd type="none" w="med" len="med"/>
+                      <a:tailEnd type="none" w="med" len="med"/>
+                    </a:lnT>
+                    <a:lnB w="6350" cap="flat" cmpd="sng" algn="ctr">
+                      <a:solidFill>
+                        <a:schemeClr val="bg1">
+                          <a:lumMod val="50000"/>
+                        </a:schemeClr>
+                      </a:solidFill>
+                      <a:prstDash val="solid"/>
+                      <a:round/>
+                      <a:headEnd type="none" w="med" len="med"/>
+                      <a:tailEnd type="none" w="med" len="med"/>
+                    </a:lnB>
+                    <a:solidFill>
+                      <a:schemeClr val="bg1"/>
+                    </a:solidFill>
+                  </a:tcPr>
+                </a:tc>
+                <a:tc>
+                  <a:txBody>
+                    <a:bodyPr/>
+                    <a:lstStyle/>
+                    <a:p>
+                      <a:pPr algn="ctr"/>
+                      <a:endParaRPr lang="ko-Kore-KR" altLang="en-US" sz="1100" b="0" i="0" dirty="0">
+                        <a:latin typeface="Microsoft GothicNeo Light" panose="020B0300000101010101" pitchFamily="34" charset="-127"/>
+                        <a:ea typeface="Microsoft GothicNeo Light" panose="020B0300000101010101" pitchFamily="34" charset="-127"/>
+                        <a:cs typeface="Microsoft GothicNeo Light" panose="020B0300000101010101" pitchFamily="34" charset="-127"/>
+                      </a:endParaRPr>
+                    </a:p>
+                  </a:txBody>
+                  <a:tcPr anchor="ctr">
+                    <a:lnL w="6350" cap="flat" cmpd="sng" algn="ctr">
+                      <a:solidFill>
+                        <a:schemeClr val="bg1">
+                          <a:lumMod val="50000"/>
+                        </a:schemeClr>
+                      </a:solidFill>
+                      <a:prstDash val="solid"/>
+                      <a:round/>
+                      <a:headEnd type="none" w="med" len="med"/>
+                      <a:tailEnd type="none" w="med" len="med"/>
+                    </a:lnL>
+                    <a:lnR w="6350" cap="flat" cmpd="sng" algn="ctr">
+                      <a:solidFill>
+                        <a:schemeClr val="bg1">
+                          <a:lumMod val="50000"/>
+                        </a:schemeClr>
+                      </a:solidFill>
+                      <a:prstDash val="solid"/>
+                      <a:round/>
+                      <a:headEnd type="none" w="med" len="med"/>
+                      <a:tailEnd type="none" w="med" len="med"/>
+                    </a:lnR>
+                    <a:lnT w="6350" cap="flat" cmpd="sng" algn="ctr">
+                      <a:solidFill>
+                        <a:schemeClr val="bg1">
+                          <a:lumMod val="50000"/>
+                        </a:schemeClr>
+                      </a:solidFill>
+                      <a:prstDash val="solid"/>
+                      <a:round/>
+                      <a:headEnd type="none" w="med" len="med"/>
+                      <a:tailEnd type="none" w="med" len="med"/>
+                    </a:lnT>
+                    <a:lnB w="6350" cap="flat" cmpd="sng" algn="ctr">
+                      <a:solidFill>
+                        <a:schemeClr val="bg1">
+                          <a:lumMod val="50000"/>
+                        </a:schemeClr>
+                      </a:solidFill>
+                      <a:prstDash val="solid"/>
+                      <a:round/>
+                      <a:headEnd type="none" w="med" len="med"/>
+                      <a:tailEnd type="none" w="med" len="med"/>
+                    </a:lnB>
+                    <a:solidFill>
+                      <a:schemeClr val="bg1"/>
+                    </a:solidFill>
+                  </a:tcPr>
+                </a:tc>
+                <a:extLst>
+                  <a:ext uri="{0D108BD9-81ED-4DB2-BD59-A6C34878D82A}">
+                    <a16:rowId xmlns:a16="http://schemas.microsoft.com/office/drawing/2014/main" val="3463117074"/>
                   </a:ext>
                 </a:extLst>
               </a:tr>
@@ -7662,7 +8443,7 @@
           <p:nvPr>
             <p:extLst>
               <p:ext uri="{D42A27DB-BD31-4B8C-83A1-F6EECF244321}">
-                <p14:modId xmlns:p14="http://schemas.microsoft.com/office/powerpoint/2010/main" val="1218513454"/>
+                <p14:modId xmlns:p14="http://schemas.microsoft.com/office/powerpoint/2010/main" val="1955148324"/>
               </p:ext>
             </p:extLst>
           </p:nvPr>
@@ -8405,7 +9186,7 @@
                           <a:ea typeface="Microsoft GothicNeo Light" panose="020B0300000101010101" pitchFamily="34" charset="-127"/>
                           <a:cs typeface="Microsoft GothicNeo Light" panose="020B0300000101010101" pitchFamily="34" charset="-127"/>
                         </a:rPr>
-                        <a:t>YYYY-MM</a:t>
+                        <a:t>YY-MM</a:t>
                       </a:r>
                       <a:endParaRPr lang="ko-Kore-KR" altLang="en-US" sz="1100" b="0" i="0" dirty="0">
                         <a:latin typeface="Microsoft GothicNeo Light" panose="020B0300000101010101" pitchFamily="34" charset="-127"/>
@@ -8783,7 +9564,7 @@
                           <a:ea typeface="Microsoft GothicNeo Light" panose="020B0300000101010101" pitchFamily="34" charset="-127"/>
                           <a:cs typeface="Microsoft GothicNeo Light" panose="020B0300000101010101" pitchFamily="34" charset="-127"/>
                         </a:rPr>
-                        <a:t>YYYY-MM</a:t>
+                        <a:t>YY-MM</a:t>
                       </a:r>
                       <a:endParaRPr lang="ko-Kore-KR" altLang="en-US" sz="1100" b="0" i="0" dirty="0">
                         <a:latin typeface="Microsoft GothicNeo Light" panose="020B0300000101010101" pitchFamily="34" charset="-127"/>
@@ -8979,7 +9760,7 @@
         <p:spPr>
           <a:xfrm>
             <a:off x="604345" y="4903487"/>
-            <a:ext cx="2987566" cy="3108543"/>
+            <a:ext cx="2987566" cy="3323987"/>
           </a:xfrm>
           <a:prstGeom prst="rect">
             <a:avLst/>
@@ -9097,92 +9878,18 @@
           </a:p>
           <a:p>
             <a:r>
-              <a:rPr kumimoji="1" lang="en-US" altLang="ko-Kore-KR" sz="1400" dirty="0">
-                <a:solidFill>
-                  <a:schemeClr val="tx1">
-                    <a:lumMod val="85000"/>
-                    <a:lumOff val="15000"/>
-                  </a:schemeClr>
-                </a:solidFill>
-                <a:latin typeface="Microsoft GothicNeo Light" panose="020B0300000101010101" pitchFamily="34" charset="-127"/>
-                <a:ea typeface="Microsoft GothicNeo Light" panose="020B0300000101010101" pitchFamily="34" charset="-127"/>
-                <a:cs typeface="Microsoft GothicNeo Light" panose="020B0300000101010101" pitchFamily="34" charset="-127"/>
-              </a:rPr>
-              <a:t>	“data”:[</a:t>
-            </a:r>
-          </a:p>
-          <a:p>
-            <a:r>
-              <a:rPr kumimoji="1" lang="en-US" altLang="ko-Kore-KR" sz="1400" dirty="0">
-                <a:solidFill>
-                  <a:schemeClr val="tx1">
-                    <a:lumMod val="85000"/>
-                    <a:lumOff val="15000"/>
-                  </a:schemeClr>
-                </a:solidFill>
-                <a:latin typeface="Microsoft GothicNeo Light" panose="020B0300000101010101" pitchFamily="34" charset="-127"/>
-                <a:ea typeface="Microsoft GothicNeo Light" panose="020B0300000101010101" pitchFamily="34" charset="-127"/>
-                <a:cs typeface="Microsoft GothicNeo Light" panose="020B0300000101010101" pitchFamily="34" charset="-127"/>
-              </a:rPr>
-              <a:t>	     {</a:t>
-            </a:r>
-          </a:p>
-          <a:p>
-            <a:r>
-              <a:rPr kumimoji="1" lang="en-US" altLang="ko-Kore-KR" sz="1400" dirty="0">
-                <a:solidFill>
-                  <a:schemeClr val="tx1">
-                    <a:lumMod val="85000"/>
-                    <a:lumOff val="15000"/>
-                  </a:schemeClr>
-                </a:solidFill>
-                <a:latin typeface="Microsoft GothicNeo Light" panose="020B0300000101010101" pitchFamily="34" charset="-127"/>
-                <a:ea typeface="Microsoft GothicNeo Light" panose="020B0300000101010101" pitchFamily="34" charset="-127"/>
-                <a:cs typeface="Microsoft GothicNeo Light" panose="020B0300000101010101" pitchFamily="34" charset="-127"/>
-              </a:rPr>
-              <a:t>		”</a:t>
-            </a:r>
-            <a:r>
-              <a:rPr kumimoji="1" lang="en-US" altLang="ko-Kore-KR" sz="1400" dirty="0" err="1">
-                <a:solidFill>
-                  <a:schemeClr val="tx1">
-                    <a:lumMod val="85000"/>
-                    <a:lumOff val="15000"/>
-                  </a:schemeClr>
-                </a:solidFill>
-                <a:latin typeface="Microsoft GothicNeo Light" panose="020B0300000101010101" pitchFamily="34" charset="-127"/>
-                <a:ea typeface="Microsoft GothicNeo Light" panose="020B0300000101010101" pitchFamily="34" charset="-127"/>
-                <a:cs typeface="Microsoft GothicNeo Light" panose="020B0300000101010101" pitchFamily="34" charset="-127"/>
-              </a:rPr>
-              <a:t>accCnt</a:t>
-            </a:r>
-            <a:r>
-              <a:rPr kumimoji="1" lang="en-US" altLang="ko-Kore-KR" sz="1400" dirty="0">
-                <a:solidFill>
-                  <a:schemeClr val="tx1">
-                    <a:lumMod val="85000"/>
-                    <a:lumOff val="15000"/>
-                  </a:schemeClr>
-                </a:solidFill>
-                <a:latin typeface="Microsoft GothicNeo Light" panose="020B0300000101010101" pitchFamily="34" charset="-127"/>
-                <a:ea typeface="Microsoft GothicNeo Light" panose="020B0300000101010101" pitchFamily="34" charset="-127"/>
-                <a:cs typeface="Microsoft GothicNeo Light" panose="020B0300000101010101" pitchFamily="34" charset="-127"/>
-              </a:rPr>
-              <a:t>”:</a:t>
-            </a:r>
-            <a:r>
-              <a:rPr kumimoji="1" lang="ko-KR" altLang="en-US" sz="1400" dirty="0">
-                <a:solidFill>
-                  <a:schemeClr val="tx1">
-                    <a:lumMod val="85000"/>
-                    <a:lumOff val="15000"/>
-                  </a:schemeClr>
-                </a:solidFill>
-                <a:latin typeface="Microsoft GothicNeo Light" panose="020B0300000101010101" pitchFamily="34" charset="-127"/>
-                <a:ea typeface="Microsoft GothicNeo Light" panose="020B0300000101010101" pitchFamily="34" charset="-127"/>
-                <a:cs typeface="Microsoft GothicNeo Light" panose="020B0300000101010101" pitchFamily="34" charset="-127"/>
-              </a:rPr>
-              <a:t> </a:t>
+              <a:rPr kumimoji="1" lang="en-US" altLang="ko-Kore-KR" sz="1400" b="1" dirty="0">
+                <a:solidFill>
+                  <a:schemeClr val="tx1">
+                    <a:lumMod val="85000"/>
+                    <a:lumOff val="15000"/>
+                  </a:schemeClr>
+                </a:solidFill>
+                <a:latin typeface="Microsoft GothicNeo" panose="020B0500000101010101" pitchFamily="34" charset="-127"/>
+                <a:ea typeface="Microsoft GothicNeo" panose="020B0500000101010101" pitchFamily="34" charset="-127"/>
+                <a:cs typeface="Microsoft GothicNeo" panose="020B0500000101010101" pitchFamily="34" charset="-127"/>
+              </a:rPr>
+              <a:t>	</a:t>
             </a:r>
             <a:r>
               <a:rPr kumimoji="1" lang="en-US" altLang="ko-KR" sz="1400" dirty="0">
@@ -9196,7 +9903,35 @@
                 <a:ea typeface="Microsoft GothicNeo Light" panose="020B0300000101010101" pitchFamily="34" charset="-127"/>
                 <a:cs typeface="Microsoft GothicNeo Light" panose="020B0300000101010101" pitchFamily="34" charset="-127"/>
               </a:rPr>
-              <a:t>5</a:t>
+              <a:t>“</a:t>
+            </a:r>
+            <a:r>
+              <a:rPr kumimoji="1" lang="en" altLang="ko-Kore-KR" sz="1400" dirty="0" err="1">
+                <a:solidFill>
+                  <a:schemeClr val="tx1">
+                    <a:lumMod val="85000"/>
+                    <a:lumOff val="15000"/>
+                  </a:schemeClr>
+                </a:solidFill>
+                <a:latin typeface="Microsoft GothicNeo Light" panose="020B0300000101010101" pitchFamily="34" charset="-127"/>
+                <a:ea typeface="Microsoft GothicNeo Light" panose="020B0300000101010101" pitchFamily="34" charset="-127"/>
+                <a:cs typeface="Microsoft GothicNeo Light" panose="020B0300000101010101" pitchFamily="34" charset="-127"/>
+              </a:rPr>
+              <a:t>responseCode</a:t>
+            </a:r>
+            <a:r>
+              <a:rPr kumimoji="1" lang="en-US" altLang="ko-KR" sz="1400" dirty="0">
+                <a:solidFill>
+                  <a:schemeClr val="tx1">
+                    <a:lumMod val="85000"/>
+                    <a:lumOff val="15000"/>
+                  </a:schemeClr>
+                </a:solidFill>
+                <a:latin typeface="Microsoft GothicNeo Light" panose="020B0300000101010101" pitchFamily="34" charset="-127"/>
+                <a:ea typeface="Microsoft GothicNeo Light" panose="020B0300000101010101" pitchFamily="34" charset="-127"/>
+                <a:cs typeface="Microsoft GothicNeo Light" panose="020B0300000101010101" pitchFamily="34" charset="-127"/>
+              </a:rPr>
+              <a:t>”:200,</a:t>
             </a:r>
             <a:endParaRPr kumimoji="1" lang="en-US" altLang="ko-Kore-KR" sz="1400" dirty="0">
               <a:solidFill>
@@ -9223,7 +9958,81 @@
                 <a:ea typeface="Microsoft GothicNeo Light" panose="020B0300000101010101" pitchFamily="34" charset="-127"/>
                 <a:cs typeface="Microsoft GothicNeo Light" panose="020B0300000101010101" pitchFamily="34" charset="-127"/>
               </a:rPr>
-              <a:t>		</a:t>
+              <a:t>	“data”:[</a:t>
+            </a:r>
+          </a:p>
+          <a:p>
+            <a:r>
+              <a:rPr kumimoji="1" lang="en-US" altLang="ko-Kore-KR" sz="1400" dirty="0">
+                <a:solidFill>
+                  <a:schemeClr val="tx1">
+                    <a:lumMod val="85000"/>
+                    <a:lumOff val="15000"/>
+                  </a:schemeClr>
+                </a:solidFill>
+                <a:latin typeface="Microsoft GothicNeo Light" panose="020B0300000101010101" pitchFamily="34" charset="-127"/>
+                <a:ea typeface="Microsoft GothicNeo Light" panose="020B0300000101010101" pitchFamily="34" charset="-127"/>
+                <a:cs typeface="Microsoft GothicNeo Light" panose="020B0300000101010101" pitchFamily="34" charset="-127"/>
+              </a:rPr>
+              <a:t>	     {</a:t>
+            </a:r>
+          </a:p>
+          <a:p>
+            <a:r>
+              <a:rPr kumimoji="1" lang="en-US" altLang="ko-Kore-KR" sz="1400" dirty="0">
+                <a:solidFill>
+                  <a:schemeClr val="tx1">
+                    <a:lumMod val="85000"/>
+                    <a:lumOff val="15000"/>
+                  </a:schemeClr>
+                </a:solidFill>
+                <a:latin typeface="Microsoft GothicNeo Light" panose="020B0300000101010101" pitchFamily="34" charset="-127"/>
+                <a:ea typeface="Microsoft GothicNeo Light" panose="020B0300000101010101" pitchFamily="34" charset="-127"/>
+                <a:cs typeface="Microsoft GothicNeo Light" panose="020B0300000101010101" pitchFamily="34" charset="-127"/>
+              </a:rPr>
+              <a:t>		”</a:t>
+            </a:r>
+            <a:r>
+              <a:rPr kumimoji="1" lang="en-US" altLang="ko-Kore-KR" sz="1400" dirty="0" err="1">
+                <a:solidFill>
+                  <a:schemeClr val="tx1">
+                    <a:lumMod val="85000"/>
+                    <a:lumOff val="15000"/>
+                  </a:schemeClr>
+                </a:solidFill>
+                <a:latin typeface="Microsoft GothicNeo Light" panose="020B0300000101010101" pitchFamily="34" charset="-127"/>
+                <a:ea typeface="Microsoft GothicNeo Light" panose="020B0300000101010101" pitchFamily="34" charset="-127"/>
+                <a:cs typeface="Microsoft GothicNeo Light" panose="020B0300000101010101" pitchFamily="34" charset="-127"/>
+              </a:rPr>
+              <a:t>accCnt</a:t>
+            </a:r>
+            <a:r>
+              <a:rPr kumimoji="1" lang="en-US" altLang="ko-Kore-KR" sz="1400" dirty="0">
+                <a:solidFill>
+                  <a:schemeClr val="tx1">
+                    <a:lumMod val="85000"/>
+                    <a:lumOff val="15000"/>
+                  </a:schemeClr>
+                </a:solidFill>
+                <a:latin typeface="Microsoft GothicNeo Light" panose="020B0300000101010101" pitchFamily="34" charset="-127"/>
+                <a:ea typeface="Microsoft GothicNeo Light" panose="020B0300000101010101" pitchFamily="34" charset="-127"/>
+                <a:cs typeface="Microsoft GothicNeo Light" panose="020B0300000101010101" pitchFamily="34" charset="-127"/>
+              </a:rPr>
+              <a:t>”:</a:t>
+            </a:r>
+            <a:r>
+              <a:rPr kumimoji="1" lang="ko-KR" altLang="en-US" sz="1400" dirty="0">
+                <a:solidFill>
+                  <a:schemeClr val="tx1">
+                    <a:lumMod val="85000"/>
+                    <a:lumOff val="15000"/>
+                  </a:schemeClr>
+                </a:solidFill>
+                <a:latin typeface="Microsoft GothicNeo Light" panose="020B0300000101010101" pitchFamily="34" charset="-127"/>
+                <a:ea typeface="Microsoft GothicNeo Light" panose="020B0300000101010101" pitchFamily="34" charset="-127"/>
+                <a:cs typeface="Microsoft GothicNeo Light" panose="020B0300000101010101" pitchFamily="34" charset="-127"/>
+              </a:rPr>
+              <a:t> </a:t>
             </a:r>
             <a:r>
               <a:rPr kumimoji="1" lang="en-US" altLang="ko-KR" sz="1400" dirty="0">
@@ -9237,7 +10046,7 @@
                 <a:ea typeface="Microsoft GothicNeo Light" panose="020B0300000101010101" pitchFamily="34" charset="-127"/>
                 <a:cs typeface="Microsoft GothicNeo Light" panose="020B0300000101010101" pitchFamily="34" charset="-127"/>
               </a:rPr>
-              <a:t>“mon”: 2022-02</a:t>
+              <a:t>5</a:t>
             </a:r>
             <a:endParaRPr kumimoji="1" lang="en-US" altLang="ko-Kore-KR" sz="1400" dirty="0">
               <a:solidFill>
@@ -9264,6 +10073,47 @@
                 <a:ea typeface="Microsoft GothicNeo Light" panose="020B0300000101010101" pitchFamily="34" charset="-127"/>
                 <a:cs typeface="Microsoft GothicNeo Light" panose="020B0300000101010101" pitchFamily="34" charset="-127"/>
               </a:rPr>
+              <a:t>		</a:t>
+            </a:r>
+            <a:r>
+              <a:rPr kumimoji="1" lang="en-US" altLang="ko-KR" sz="1400" dirty="0">
+                <a:solidFill>
+                  <a:schemeClr val="tx1">
+                    <a:lumMod val="85000"/>
+                    <a:lumOff val="15000"/>
+                  </a:schemeClr>
+                </a:solidFill>
+                <a:latin typeface="Microsoft GothicNeo Light" panose="020B0300000101010101" pitchFamily="34" charset="-127"/>
+                <a:ea typeface="Microsoft GothicNeo Light" panose="020B0300000101010101" pitchFamily="34" charset="-127"/>
+                <a:cs typeface="Microsoft GothicNeo Light" panose="020B0300000101010101" pitchFamily="34" charset="-127"/>
+              </a:rPr>
+              <a:t>“mon”: 22-02</a:t>
+            </a:r>
+            <a:endParaRPr kumimoji="1" lang="en-US" altLang="ko-Kore-KR" sz="1400" dirty="0">
+              <a:solidFill>
+                <a:schemeClr val="tx1">
+                  <a:lumMod val="85000"/>
+                  <a:lumOff val="15000"/>
+                </a:schemeClr>
+              </a:solidFill>
+              <a:latin typeface="Microsoft GothicNeo Light" panose="020B0300000101010101" pitchFamily="34" charset="-127"/>
+              <a:ea typeface="Microsoft GothicNeo Light" panose="020B0300000101010101" pitchFamily="34" charset="-127"/>
+              <a:cs typeface="Microsoft GothicNeo Light" panose="020B0300000101010101" pitchFamily="34" charset="-127"/>
+            </a:endParaRPr>
+          </a:p>
+          <a:p>
+            <a:r>
+              <a:rPr kumimoji="1" lang="en-US" altLang="ko-Kore-KR" sz="1400" dirty="0">
+                <a:solidFill>
+                  <a:schemeClr val="tx1">
+                    <a:lumMod val="85000"/>
+                    <a:lumOff val="15000"/>
+                  </a:schemeClr>
+                </a:solidFill>
+                <a:latin typeface="Microsoft GothicNeo Light" panose="020B0300000101010101" pitchFamily="34" charset="-127"/>
+                <a:ea typeface="Microsoft GothicNeo Light" panose="020B0300000101010101" pitchFamily="34" charset="-127"/>
+                <a:cs typeface="Microsoft GothicNeo Light" panose="020B0300000101010101" pitchFamily="34" charset="-127"/>
+              </a:rPr>
               <a:t>	     },</a:t>
             </a:r>
           </a:p>
@@ -9396,7 +10246,7 @@
                 <a:ea typeface="Microsoft GothicNeo Light" panose="020B0300000101010101" pitchFamily="34" charset="-127"/>
                 <a:cs typeface="Microsoft GothicNeo Light" panose="020B0300000101010101" pitchFamily="34" charset="-127"/>
               </a:rPr>
-              <a:t>“mon”: 2022-03</a:t>
+              <a:t>“mon”: 22-03</a:t>
             </a:r>
             <a:endParaRPr kumimoji="1" lang="en-US" altLang="ko-Kore-KR" sz="1400" dirty="0">
               <a:solidFill>
@@ -9841,7 +10691,7 @@
           <p:nvPr>
             <p:extLst>
               <p:ext uri="{D42A27DB-BD31-4B8C-83A1-F6EECF244321}">
-                <p14:modId xmlns:p14="http://schemas.microsoft.com/office/powerpoint/2010/main" val="235216940"/>
+                <p14:modId xmlns:p14="http://schemas.microsoft.com/office/powerpoint/2010/main" val="2136001675"/>
               </p:ext>
             </p:extLst>
           </p:nvPr>
@@ -10584,7 +11434,7 @@
                           <a:ea typeface="Microsoft GothicNeo Light" panose="020B0300000101010101" pitchFamily="34" charset="-127"/>
                           <a:cs typeface="Microsoft GothicNeo Light" panose="020B0300000101010101" pitchFamily="34" charset="-127"/>
                         </a:rPr>
-                        <a:t>YYYY-MM-DD</a:t>
+                        <a:t>YY-MM-DD</a:t>
                       </a:r>
                       <a:endParaRPr lang="ko-Kore-KR" altLang="en-US" sz="1100" b="0" i="0" dirty="0">
                         <a:latin typeface="Microsoft GothicNeo Light" panose="020B0300000101010101" pitchFamily="34" charset="-127"/>
@@ -10962,7 +11812,7 @@
                           <a:ea typeface="Microsoft GothicNeo Light" panose="020B0300000101010101" pitchFamily="34" charset="-127"/>
                           <a:cs typeface="Microsoft GothicNeo Light" panose="020B0300000101010101" pitchFamily="34" charset="-127"/>
                         </a:rPr>
-                        <a:t>YYYY-MM-DD</a:t>
+                        <a:t>YY-MM-DD</a:t>
                       </a:r>
                       <a:endParaRPr lang="ko-Kore-KR" altLang="en-US" sz="1100" b="0" i="0" dirty="0">
                         <a:latin typeface="Microsoft GothicNeo Light" panose="020B0300000101010101" pitchFamily="34" charset="-127"/>
@@ -11102,7 +11952,7 @@
         <p:spPr>
           <a:xfrm>
             <a:off x="604345" y="4903487"/>
-            <a:ext cx="2987566" cy="3323987"/>
+            <a:ext cx="2987566" cy="3539430"/>
           </a:xfrm>
           <a:prstGeom prst="rect">
             <a:avLst/>
@@ -11217,6 +12067,75 @@
               </a:rPr>
               <a:t>”: false,</a:t>
             </a:r>
+          </a:p>
+          <a:p>
+            <a:r>
+              <a:rPr kumimoji="1" lang="en-US" altLang="ko-Kore-KR" sz="1400" b="1" dirty="0">
+                <a:solidFill>
+                  <a:schemeClr val="tx1">
+                    <a:lumMod val="85000"/>
+                    <a:lumOff val="15000"/>
+                  </a:schemeClr>
+                </a:solidFill>
+                <a:latin typeface="Microsoft GothicNeo" panose="020B0500000101010101" pitchFamily="34" charset="-127"/>
+                <a:ea typeface="Microsoft GothicNeo" panose="020B0500000101010101" pitchFamily="34" charset="-127"/>
+                <a:cs typeface="Microsoft GothicNeo" panose="020B0500000101010101" pitchFamily="34" charset="-127"/>
+              </a:rPr>
+              <a:t>	</a:t>
+            </a:r>
+            <a:r>
+              <a:rPr kumimoji="1" lang="en-US" altLang="ko-KR" sz="1400" dirty="0">
+                <a:solidFill>
+                  <a:schemeClr val="tx1">
+                    <a:lumMod val="85000"/>
+                    <a:lumOff val="15000"/>
+                  </a:schemeClr>
+                </a:solidFill>
+                <a:latin typeface="Microsoft GothicNeo Light" panose="020B0300000101010101" pitchFamily="34" charset="-127"/>
+                <a:ea typeface="Microsoft GothicNeo Light" panose="020B0300000101010101" pitchFamily="34" charset="-127"/>
+                <a:cs typeface="Microsoft GothicNeo Light" panose="020B0300000101010101" pitchFamily="34" charset="-127"/>
+              </a:rPr>
+              <a:t>“</a:t>
+            </a:r>
+            <a:r>
+              <a:rPr kumimoji="1" lang="en" altLang="ko-Kore-KR" sz="1400" dirty="0" err="1">
+                <a:solidFill>
+                  <a:schemeClr val="tx1">
+                    <a:lumMod val="85000"/>
+                    <a:lumOff val="15000"/>
+                  </a:schemeClr>
+                </a:solidFill>
+                <a:latin typeface="Microsoft GothicNeo Light" panose="020B0300000101010101" pitchFamily="34" charset="-127"/>
+                <a:ea typeface="Microsoft GothicNeo Light" panose="020B0300000101010101" pitchFamily="34" charset="-127"/>
+                <a:cs typeface="Microsoft GothicNeo Light" panose="020B0300000101010101" pitchFamily="34" charset="-127"/>
+              </a:rPr>
+              <a:t>responseCode</a:t>
+            </a:r>
+            <a:r>
+              <a:rPr kumimoji="1" lang="en-US" altLang="ko-KR" sz="1400" dirty="0">
+                <a:solidFill>
+                  <a:schemeClr val="tx1">
+                    <a:lumMod val="85000"/>
+                    <a:lumOff val="15000"/>
+                  </a:schemeClr>
+                </a:solidFill>
+                <a:latin typeface="Microsoft GothicNeo Light" panose="020B0300000101010101" pitchFamily="34" charset="-127"/>
+                <a:ea typeface="Microsoft GothicNeo Light" panose="020B0300000101010101" pitchFamily="34" charset="-127"/>
+                <a:cs typeface="Microsoft GothicNeo Light" panose="020B0300000101010101" pitchFamily="34" charset="-127"/>
+              </a:rPr>
+              <a:t>”:200,</a:t>
+            </a:r>
+            <a:endParaRPr kumimoji="1" lang="en-US" altLang="ko-Kore-KR" sz="1400" dirty="0">
+              <a:solidFill>
+                <a:schemeClr val="tx1">
+                  <a:lumMod val="85000"/>
+                  <a:lumOff val="15000"/>
+                </a:schemeClr>
+              </a:solidFill>
+              <a:latin typeface="Microsoft GothicNeo Light" panose="020B0300000101010101" pitchFamily="34" charset="-127"/>
+              <a:ea typeface="Microsoft GothicNeo Light" panose="020B0300000101010101" pitchFamily="34" charset="-127"/>
+              <a:cs typeface="Microsoft GothicNeo Light" panose="020B0300000101010101" pitchFamily="34" charset="-127"/>
+            </a:endParaRPr>
           </a:p>
           <a:p>
             <a:r>
@@ -12444,7 +13363,7 @@
           <p:nvPr>
             <p:extLst>
               <p:ext uri="{D42A27DB-BD31-4B8C-83A1-F6EECF244321}">
-                <p14:modId xmlns:p14="http://schemas.microsoft.com/office/powerpoint/2010/main" val="2001075428"/>
+                <p14:modId xmlns:p14="http://schemas.microsoft.com/office/powerpoint/2010/main" val="2134702844"/>
               </p:ext>
             </p:extLst>
           </p:nvPr>
@@ -13203,7 +14122,7 @@
                           <a:ea typeface="Microsoft GothicNeo Light" panose="020B0300000101010101" pitchFamily="34" charset="-127"/>
                           <a:cs typeface="Microsoft GothicNeo Light" panose="020B0300000101010101" pitchFamily="34" charset="-127"/>
                         </a:rPr>
-                        <a:t>YYYY-MM-DD</a:t>
+                        <a:t>YY-MM-DD</a:t>
                       </a:r>
                       <a:endParaRPr lang="ko-Kore-KR" altLang="en-US" sz="1100" b="0" i="0" dirty="0">
                         <a:latin typeface="Microsoft GothicNeo Light" panose="020B0300000101010101" pitchFamily="34" charset="-127"/>
@@ -13581,7 +14500,7 @@
                           <a:ea typeface="Microsoft GothicNeo Light" panose="020B0300000101010101" pitchFamily="34" charset="-127"/>
                           <a:cs typeface="Microsoft GothicNeo Light" panose="020B0300000101010101" pitchFamily="34" charset="-127"/>
                         </a:rPr>
-                        <a:t>YYYY-MM-DD</a:t>
+                        <a:t>YY-MM-DD</a:t>
                       </a:r>
                       <a:endParaRPr lang="ko-Kore-KR" altLang="en-US" sz="1100" b="0" i="0" dirty="0">
                         <a:latin typeface="Microsoft GothicNeo Light" panose="020B0300000101010101" pitchFamily="34" charset="-127"/>
@@ -13667,7 +14586,7 @@
         <p:spPr>
           <a:xfrm>
             <a:off x="462453" y="4729651"/>
-            <a:ext cx="5638802" cy="2963921"/>
+            <a:ext cx="5638802" cy="3174272"/>
           </a:xfrm>
           <a:prstGeom prst="rect">
             <a:avLst/>
@@ -13721,7 +14640,7 @@
         <p:spPr>
           <a:xfrm>
             <a:off x="604345" y="4919251"/>
-            <a:ext cx="2987566" cy="2462213"/>
+            <a:ext cx="2987566" cy="2677656"/>
           </a:xfrm>
           <a:prstGeom prst="rect">
             <a:avLst/>
@@ -13836,6 +14755,75 @@
               </a:rPr>
               <a:t>”: false,</a:t>
             </a:r>
+          </a:p>
+          <a:p>
+            <a:r>
+              <a:rPr kumimoji="1" lang="en-US" altLang="ko-Kore-KR" sz="1400" b="1" dirty="0">
+                <a:solidFill>
+                  <a:schemeClr val="tx1">
+                    <a:lumMod val="85000"/>
+                    <a:lumOff val="15000"/>
+                  </a:schemeClr>
+                </a:solidFill>
+                <a:latin typeface="Microsoft GothicNeo" panose="020B0500000101010101" pitchFamily="34" charset="-127"/>
+                <a:ea typeface="Microsoft GothicNeo" panose="020B0500000101010101" pitchFamily="34" charset="-127"/>
+                <a:cs typeface="Microsoft GothicNeo" panose="020B0500000101010101" pitchFamily="34" charset="-127"/>
+              </a:rPr>
+              <a:t>	</a:t>
+            </a:r>
+            <a:r>
+              <a:rPr kumimoji="1" lang="en-US" altLang="ko-KR" sz="1400" dirty="0">
+                <a:solidFill>
+                  <a:schemeClr val="tx1">
+                    <a:lumMod val="85000"/>
+                    <a:lumOff val="15000"/>
+                  </a:schemeClr>
+                </a:solidFill>
+                <a:latin typeface="Microsoft GothicNeo Light" panose="020B0300000101010101" pitchFamily="34" charset="-127"/>
+                <a:ea typeface="Microsoft GothicNeo Light" panose="020B0300000101010101" pitchFamily="34" charset="-127"/>
+                <a:cs typeface="Microsoft GothicNeo Light" panose="020B0300000101010101" pitchFamily="34" charset="-127"/>
+              </a:rPr>
+              <a:t>“</a:t>
+            </a:r>
+            <a:r>
+              <a:rPr kumimoji="1" lang="en" altLang="ko-Kore-KR" sz="1400" dirty="0" err="1">
+                <a:solidFill>
+                  <a:schemeClr val="tx1">
+                    <a:lumMod val="85000"/>
+                    <a:lumOff val="15000"/>
+                  </a:schemeClr>
+                </a:solidFill>
+                <a:latin typeface="Microsoft GothicNeo Light" panose="020B0300000101010101" pitchFamily="34" charset="-127"/>
+                <a:ea typeface="Microsoft GothicNeo Light" panose="020B0300000101010101" pitchFamily="34" charset="-127"/>
+                <a:cs typeface="Microsoft GothicNeo Light" panose="020B0300000101010101" pitchFamily="34" charset="-127"/>
+              </a:rPr>
+              <a:t>responseCode</a:t>
+            </a:r>
+            <a:r>
+              <a:rPr kumimoji="1" lang="en-US" altLang="ko-KR" sz="1400" dirty="0">
+                <a:solidFill>
+                  <a:schemeClr val="tx1">
+                    <a:lumMod val="85000"/>
+                    <a:lumOff val="15000"/>
+                  </a:schemeClr>
+                </a:solidFill>
+                <a:latin typeface="Microsoft GothicNeo Light" panose="020B0300000101010101" pitchFamily="34" charset="-127"/>
+                <a:ea typeface="Microsoft GothicNeo Light" panose="020B0300000101010101" pitchFamily="34" charset="-127"/>
+                <a:cs typeface="Microsoft GothicNeo Light" panose="020B0300000101010101" pitchFamily="34" charset="-127"/>
+              </a:rPr>
+              <a:t>”:200,</a:t>
+            </a:r>
+            <a:endParaRPr kumimoji="1" lang="en-US" altLang="ko-Kore-KR" sz="1400" dirty="0">
+              <a:solidFill>
+                <a:schemeClr val="tx1">
+                  <a:lumMod val="85000"/>
+                  <a:lumOff val="15000"/>
+                </a:schemeClr>
+              </a:solidFill>
+              <a:latin typeface="Microsoft GothicNeo Light" panose="020B0300000101010101" pitchFamily="34" charset="-127"/>
+              <a:ea typeface="Microsoft GothicNeo Light" panose="020B0300000101010101" pitchFamily="34" charset="-127"/>
+              <a:cs typeface="Microsoft GothicNeo Light" panose="020B0300000101010101" pitchFamily="34" charset="-127"/>
+            </a:endParaRPr>
           </a:p>
           <a:p>
             <a:r>
@@ -14667,8 +15655,8 @@
         </p:nvSpPr>
         <p:spPr>
           <a:xfrm>
-            <a:off x="462453" y="4824246"/>
-            <a:ext cx="5638802" cy="3515710"/>
+            <a:off x="462453" y="4824245"/>
+            <a:ext cx="5638802" cy="3981552"/>
           </a:xfrm>
           <a:prstGeom prst="rect">
             <a:avLst/>
@@ -14722,7 +15710,7 @@
         <p:spPr>
           <a:xfrm>
             <a:off x="604345" y="5013846"/>
-            <a:ext cx="2987566" cy="3323987"/>
+            <a:ext cx="2987566" cy="3539430"/>
           </a:xfrm>
           <a:prstGeom prst="rect">
             <a:avLst/>
@@ -14837,6 +15825,75 @@
               </a:rPr>
               <a:t>”: false,</a:t>
             </a:r>
+          </a:p>
+          <a:p>
+            <a:r>
+              <a:rPr kumimoji="1" lang="en-US" altLang="ko-Kore-KR" sz="1400" b="1" dirty="0">
+                <a:solidFill>
+                  <a:schemeClr val="tx1">
+                    <a:lumMod val="85000"/>
+                    <a:lumOff val="15000"/>
+                  </a:schemeClr>
+                </a:solidFill>
+                <a:latin typeface="Microsoft GothicNeo" panose="020B0500000101010101" pitchFamily="34" charset="-127"/>
+                <a:ea typeface="Microsoft GothicNeo" panose="020B0500000101010101" pitchFamily="34" charset="-127"/>
+                <a:cs typeface="Microsoft GothicNeo" panose="020B0500000101010101" pitchFamily="34" charset="-127"/>
+              </a:rPr>
+              <a:t>	</a:t>
+            </a:r>
+            <a:r>
+              <a:rPr kumimoji="1" lang="en-US" altLang="ko-KR" sz="1400" dirty="0">
+                <a:solidFill>
+                  <a:schemeClr val="tx1">
+                    <a:lumMod val="85000"/>
+                    <a:lumOff val="15000"/>
+                  </a:schemeClr>
+                </a:solidFill>
+                <a:latin typeface="Microsoft GothicNeo Light" panose="020B0300000101010101" pitchFamily="34" charset="-127"/>
+                <a:ea typeface="Microsoft GothicNeo Light" panose="020B0300000101010101" pitchFamily="34" charset="-127"/>
+                <a:cs typeface="Microsoft GothicNeo Light" panose="020B0300000101010101" pitchFamily="34" charset="-127"/>
+              </a:rPr>
+              <a:t>“</a:t>
+            </a:r>
+            <a:r>
+              <a:rPr kumimoji="1" lang="en" altLang="ko-Kore-KR" sz="1400" dirty="0" err="1">
+                <a:solidFill>
+                  <a:schemeClr val="tx1">
+                    <a:lumMod val="85000"/>
+                    <a:lumOff val="15000"/>
+                  </a:schemeClr>
+                </a:solidFill>
+                <a:latin typeface="Microsoft GothicNeo Light" panose="020B0300000101010101" pitchFamily="34" charset="-127"/>
+                <a:ea typeface="Microsoft GothicNeo Light" panose="020B0300000101010101" pitchFamily="34" charset="-127"/>
+                <a:cs typeface="Microsoft GothicNeo Light" panose="020B0300000101010101" pitchFamily="34" charset="-127"/>
+              </a:rPr>
+              <a:t>responseCode</a:t>
+            </a:r>
+            <a:r>
+              <a:rPr kumimoji="1" lang="en-US" altLang="ko-KR" sz="1400" dirty="0">
+                <a:solidFill>
+                  <a:schemeClr val="tx1">
+                    <a:lumMod val="85000"/>
+                    <a:lumOff val="15000"/>
+                  </a:schemeClr>
+                </a:solidFill>
+                <a:latin typeface="Microsoft GothicNeo Light" panose="020B0300000101010101" pitchFamily="34" charset="-127"/>
+                <a:ea typeface="Microsoft GothicNeo Light" panose="020B0300000101010101" pitchFamily="34" charset="-127"/>
+                <a:cs typeface="Microsoft GothicNeo Light" panose="020B0300000101010101" pitchFamily="34" charset="-127"/>
+              </a:rPr>
+              <a:t>”:200,</a:t>
+            </a:r>
+            <a:endParaRPr kumimoji="1" lang="en-US" altLang="ko-Kore-KR" sz="1400" dirty="0">
+              <a:solidFill>
+                <a:schemeClr val="tx1">
+                  <a:lumMod val="85000"/>
+                  <a:lumOff val="15000"/>
+                </a:schemeClr>
+              </a:solidFill>
+              <a:latin typeface="Microsoft GothicNeo Light" panose="020B0300000101010101" pitchFamily="34" charset="-127"/>
+              <a:ea typeface="Microsoft GothicNeo Light" panose="020B0300000101010101" pitchFamily="34" charset="-127"/>
+              <a:cs typeface="Microsoft GothicNeo Light" panose="020B0300000101010101" pitchFamily="34" charset="-127"/>
+            </a:endParaRPr>
           </a:p>
           <a:p>
             <a:r>
@@ -15245,7 +16302,7 @@
           <p:nvPr>
             <p:extLst>
               <p:ext uri="{D42A27DB-BD31-4B8C-83A1-F6EECF244321}">
-                <p14:modId xmlns:p14="http://schemas.microsoft.com/office/powerpoint/2010/main" val="307743643"/>
+                <p14:modId xmlns:p14="http://schemas.microsoft.com/office/powerpoint/2010/main" val="728758788"/>
               </p:ext>
             </p:extLst>
           </p:nvPr>
@@ -16004,7 +17061,7 @@
                           <a:ea typeface="Microsoft GothicNeo Light" panose="020B0300000101010101" pitchFamily="34" charset="-127"/>
                           <a:cs typeface="Microsoft GothicNeo Light" panose="020B0300000101010101" pitchFamily="34" charset="-127"/>
                         </a:rPr>
-                        <a:t>YYYY-MM-DD</a:t>
+                        <a:t>YY-MM-DD</a:t>
                       </a:r>
                       <a:endParaRPr lang="ko-Kore-KR" altLang="en-US" sz="1100" b="0" i="0" dirty="0">
                         <a:latin typeface="Microsoft GothicNeo Light" panose="020B0300000101010101" pitchFamily="34" charset="-127"/>
@@ -16382,7 +17439,7 @@
                           <a:ea typeface="Microsoft GothicNeo Light" panose="020B0300000101010101" pitchFamily="34" charset="-127"/>
                           <a:cs typeface="Microsoft GothicNeo Light" panose="020B0300000101010101" pitchFamily="34" charset="-127"/>
                         </a:rPr>
-                        <a:t>YYYY-MM-DD</a:t>
+                        <a:t>YY-MM-DD</a:t>
                       </a:r>
                       <a:endParaRPr lang="ko-Kore-KR" altLang="en-US" sz="1100" b="0" i="0" dirty="0">
                         <a:latin typeface="Microsoft GothicNeo Light" panose="020B0300000101010101" pitchFamily="34" charset="-127"/>
@@ -16806,7 +17863,7 @@
           <p:nvPr>
             <p:extLst>
               <p:ext uri="{D42A27DB-BD31-4B8C-83A1-F6EECF244321}">
-                <p14:modId xmlns:p14="http://schemas.microsoft.com/office/powerpoint/2010/main" val="2036193935"/>
+                <p14:modId xmlns:p14="http://schemas.microsoft.com/office/powerpoint/2010/main" val="2636167590"/>
               </p:ext>
             </p:extLst>
           </p:nvPr>
@@ -17549,7 +18606,7 @@
                           <a:ea typeface="Microsoft GothicNeo Light" panose="020B0300000101010101" pitchFamily="34" charset="-127"/>
                           <a:cs typeface="Microsoft GothicNeo Light" panose="020B0300000101010101" pitchFamily="34" charset="-127"/>
                         </a:rPr>
-                        <a:t>YYYY-MM</a:t>
+                        <a:t>YY-MM</a:t>
                       </a:r>
                       <a:endParaRPr lang="ko-Kore-KR" altLang="en-US" sz="1100" b="0" i="0" dirty="0">
                         <a:latin typeface="Microsoft GothicNeo Light" panose="020B0300000101010101" pitchFamily="34" charset="-127"/>
@@ -17927,7 +18984,7 @@
                           <a:ea typeface="Microsoft GothicNeo Light" panose="020B0300000101010101" pitchFamily="34" charset="-127"/>
                           <a:cs typeface="Microsoft GothicNeo Light" panose="020B0300000101010101" pitchFamily="34" charset="-127"/>
                         </a:rPr>
-                        <a:t>YYYY-MM</a:t>
+                        <a:t>YY-MM</a:t>
                       </a:r>
                       <a:endParaRPr lang="ko-Kore-KR" altLang="en-US" sz="1100" b="0" i="0" dirty="0">
                         <a:latin typeface="Microsoft GothicNeo Light" panose="020B0300000101010101" pitchFamily="34" charset="-127"/>
@@ -18420,62 +19477,6 @@
       </p:graphicFrame>
       <p:sp>
         <p:nvSpPr>
-          <p:cNvPr id="15" name="TextBox 14">
-            <a:extLst>
-              <a:ext uri="{FF2B5EF4-FFF2-40B4-BE49-F238E27FC236}">
-                <a16:creationId xmlns:a16="http://schemas.microsoft.com/office/drawing/2014/main" id="{031B28D2-27B5-2F49-9331-E74322D792CC}"/>
-              </a:ext>
-            </a:extLst>
-          </p:cNvPr>
-          <p:cNvSpPr txBox="1"/>
-          <p:nvPr/>
-        </p:nvSpPr>
-        <p:spPr>
-          <a:xfrm>
-            <a:off x="462454" y="4712293"/>
-            <a:ext cx="2987566" cy="323165"/>
-          </a:xfrm>
-          <a:prstGeom prst="rect">
-            <a:avLst/>
-          </a:prstGeom>
-          <a:noFill/>
-        </p:spPr>
-        <p:txBody>
-          <a:bodyPr wrap="square" rtlCol="0">
-            <a:spAutoFit/>
-          </a:bodyPr>
-          <a:lstStyle/>
-          <a:p>
-            <a:r>
-              <a:rPr kumimoji="1" lang="en-US" altLang="ko-Kore-KR" sz="1500" dirty="0">
-                <a:solidFill>
-                  <a:schemeClr val="tx1">
-                    <a:lumMod val="85000"/>
-                    <a:lumOff val="15000"/>
-                  </a:schemeClr>
-                </a:solidFill>
-                <a:latin typeface="Microsoft GothicNeo Light" panose="020B0300000101010101" pitchFamily="34" charset="-127"/>
-                <a:ea typeface="Microsoft GothicNeo Light" panose="020B0300000101010101" pitchFamily="34" charset="-127"/>
-                <a:cs typeface="Microsoft GothicNeo Light" panose="020B0300000101010101" pitchFamily="34" charset="-127"/>
-              </a:rPr>
-              <a:t>Request Parameters</a:t>
-            </a:r>
-            <a:endParaRPr kumimoji="1" lang="ko-Kore-KR" altLang="en-US" sz="1500" dirty="0">
-              <a:solidFill>
-                <a:schemeClr val="tx1">
-                  <a:lumMod val="85000"/>
-                  <a:lumOff val="15000"/>
-                </a:schemeClr>
-              </a:solidFill>
-              <a:latin typeface="Microsoft GothicNeo Light" panose="020B0300000101010101" pitchFamily="34" charset="-127"/>
-              <a:ea typeface="Microsoft GothicNeo Light" panose="020B0300000101010101" pitchFamily="34" charset="-127"/>
-              <a:cs typeface="Microsoft GothicNeo Light" panose="020B0300000101010101" pitchFamily="34" charset="-127"/>
-            </a:endParaRPr>
-          </a:p>
-        </p:txBody>
-      </p:sp>
-      <p:sp>
-        <p:nvSpPr>
           <p:cNvPr id="16" name="직사각형 15">
             <a:extLst>
               <a:ext uri="{FF2B5EF4-FFF2-40B4-BE49-F238E27FC236}">
@@ -18489,7 +19490,7 @@
         <p:spPr>
           <a:xfrm>
             <a:off x="462453" y="5013434"/>
-            <a:ext cx="5638802" cy="4274881"/>
+            <a:ext cx="5638802" cy="4468769"/>
           </a:xfrm>
           <a:prstGeom prst="rect">
             <a:avLst/>
@@ -18723,7 +19724,7 @@
         <p:spPr>
           <a:xfrm>
             <a:off x="604345" y="5203035"/>
-            <a:ext cx="2987566" cy="3754874"/>
+            <a:ext cx="2987566" cy="3970318"/>
           </a:xfrm>
           <a:prstGeom prst="rect">
             <a:avLst/>
@@ -18869,92 +19870,18 @@
           </a:p>
           <a:p>
             <a:r>
-              <a:rPr kumimoji="1" lang="en-US" altLang="ko-Kore-KR" sz="1400" dirty="0">
-                <a:solidFill>
-                  <a:schemeClr val="tx1">
-                    <a:lumMod val="85000"/>
-                    <a:lumOff val="15000"/>
-                  </a:schemeClr>
-                </a:solidFill>
-                <a:latin typeface="Microsoft GothicNeo Light" panose="020B0300000101010101" pitchFamily="34" charset="-127"/>
-                <a:ea typeface="Microsoft GothicNeo Light" panose="020B0300000101010101" pitchFamily="34" charset="-127"/>
-                <a:cs typeface="Microsoft GothicNeo Light" panose="020B0300000101010101" pitchFamily="34" charset="-127"/>
-              </a:rPr>
-              <a:t>	“data”:[</a:t>
-            </a:r>
-          </a:p>
-          <a:p>
-            <a:r>
-              <a:rPr kumimoji="1" lang="en-US" altLang="ko-Kore-KR" sz="1400" dirty="0">
-                <a:solidFill>
-                  <a:schemeClr val="tx1">
-                    <a:lumMod val="85000"/>
-                    <a:lumOff val="15000"/>
-                  </a:schemeClr>
-                </a:solidFill>
-                <a:latin typeface="Microsoft GothicNeo Light" panose="020B0300000101010101" pitchFamily="34" charset="-127"/>
-                <a:ea typeface="Microsoft GothicNeo Light" panose="020B0300000101010101" pitchFamily="34" charset="-127"/>
-                <a:cs typeface="Microsoft GothicNeo Light" panose="020B0300000101010101" pitchFamily="34" charset="-127"/>
-              </a:rPr>
-              <a:t>	     {</a:t>
-            </a:r>
-          </a:p>
-          <a:p>
-            <a:r>
-              <a:rPr kumimoji="1" lang="en-US" altLang="ko-Kore-KR" sz="1400" dirty="0">
-                <a:solidFill>
-                  <a:schemeClr val="tx1">
-                    <a:lumMod val="85000"/>
-                    <a:lumOff val="15000"/>
-                  </a:schemeClr>
-                </a:solidFill>
-                <a:latin typeface="Microsoft GothicNeo Light" panose="020B0300000101010101" pitchFamily="34" charset="-127"/>
-                <a:ea typeface="Microsoft GothicNeo Light" panose="020B0300000101010101" pitchFamily="34" charset="-127"/>
-                <a:cs typeface="Microsoft GothicNeo Light" panose="020B0300000101010101" pitchFamily="34" charset="-127"/>
-              </a:rPr>
-              <a:t>		”</a:t>
-            </a:r>
-            <a:r>
-              <a:rPr kumimoji="1" lang="en-US" altLang="ko-Kore-KR" sz="1400" dirty="0" err="1">
-                <a:solidFill>
-                  <a:schemeClr val="tx1">
-                    <a:lumMod val="85000"/>
-                    <a:lumOff val="15000"/>
-                  </a:schemeClr>
-                </a:solidFill>
-                <a:latin typeface="Microsoft GothicNeo Light" panose="020B0300000101010101" pitchFamily="34" charset="-127"/>
-                <a:ea typeface="Microsoft GothicNeo Light" panose="020B0300000101010101" pitchFamily="34" charset="-127"/>
-                <a:cs typeface="Microsoft GothicNeo Light" panose="020B0300000101010101" pitchFamily="34" charset="-127"/>
-              </a:rPr>
-              <a:t>logCnt</a:t>
-            </a:r>
-            <a:r>
-              <a:rPr kumimoji="1" lang="en-US" altLang="ko-Kore-KR" sz="1400" dirty="0">
-                <a:solidFill>
-                  <a:schemeClr val="tx1">
-                    <a:lumMod val="85000"/>
-                    <a:lumOff val="15000"/>
-                  </a:schemeClr>
-                </a:solidFill>
-                <a:latin typeface="Microsoft GothicNeo Light" panose="020B0300000101010101" pitchFamily="34" charset="-127"/>
-                <a:ea typeface="Microsoft GothicNeo Light" panose="020B0300000101010101" pitchFamily="34" charset="-127"/>
-                <a:cs typeface="Microsoft GothicNeo Light" panose="020B0300000101010101" pitchFamily="34" charset="-127"/>
-              </a:rPr>
-              <a:t>”:</a:t>
-            </a:r>
-            <a:r>
-              <a:rPr kumimoji="1" lang="ko-KR" altLang="en-US" sz="1400" dirty="0">
-                <a:solidFill>
-                  <a:schemeClr val="tx1">
-                    <a:lumMod val="85000"/>
-                    <a:lumOff val="15000"/>
-                  </a:schemeClr>
-                </a:solidFill>
-                <a:latin typeface="Microsoft GothicNeo Light" panose="020B0300000101010101" pitchFamily="34" charset="-127"/>
-                <a:ea typeface="Microsoft GothicNeo Light" panose="020B0300000101010101" pitchFamily="34" charset="-127"/>
-                <a:cs typeface="Microsoft GothicNeo Light" panose="020B0300000101010101" pitchFamily="34" charset="-127"/>
-              </a:rPr>
-              <a:t> </a:t>
+              <a:rPr kumimoji="1" lang="en-US" altLang="ko-Kore-KR" sz="1400" b="1" dirty="0">
+                <a:solidFill>
+                  <a:schemeClr val="tx1">
+                    <a:lumMod val="85000"/>
+                    <a:lumOff val="15000"/>
+                  </a:schemeClr>
+                </a:solidFill>
+                <a:latin typeface="Microsoft GothicNeo" panose="020B0500000101010101" pitchFamily="34" charset="-127"/>
+                <a:ea typeface="Microsoft GothicNeo" panose="020B0500000101010101" pitchFamily="34" charset="-127"/>
+                <a:cs typeface="Microsoft GothicNeo" panose="020B0500000101010101" pitchFamily="34" charset="-127"/>
+              </a:rPr>
+              <a:t>	</a:t>
             </a:r>
             <a:r>
               <a:rPr kumimoji="1" lang="en-US" altLang="ko-KR" sz="1400" dirty="0">
@@ -18968,7 +19895,35 @@
                 <a:ea typeface="Microsoft GothicNeo Light" panose="020B0300000101010101" pitchFamily="34" charset="-127"/>
                 <a:cs typeface="Microsoft GothicNeo Light" panose="020B0300000101010101" pitchFamily="34" charset="-127"/>
               </a:rPr>
-              <a:t>9,</a:t>
+              <a:t>“</a:t>
+            </a:r>
+            <a:r>
+              <a:rPr kumimoji="1" lang="en" altLang="ko-Kore-KR" sz="1400" dirty="0" err="1">
+                <a:solidFill>
+                  <a:schemeClr val="tx1">
+                    <a:lumMod val="85000"/>
+                    <a:lumOff val="15000"/>
+                  </a:schemeClr>
+                </a:solidFill>
+                <a:latin typeface="Microsoft GothicNeo Light" panose="020B0300000101010101" pitchFamily="34" charset="-127"/>
+                <a:ea typeface="Microsoft GothicNeo Light" panose="020B0300000101010101" pitchFamily="34" charset="-127"/>
+                <a:cs typeface="Microsoft GothicNeo Light" panose="020B0300000101010101" pitchFamily="34" charset="-127"/>
+              </a:rPr>
+              <a:t>responseCode</a:t>
+            </a:r>
+            <a:r>
+              <a:rPr kumimoji="1" lang="en-US" altLang="ko-KR" sz="1400" dirty="0">
+                <a:solidFill>
+                  <a:schemeClr val="tx1">
+                    <a:lumMod val="85000"/>
+                    <a:lumOff val="15000"/>
+                  </a:schemeClr>
+                </a:solidFill>
+                <a:latin typeface="Microsoft GothicNeo Light" panose="020B0300000101010101" pitchFamily="34" charset="-127"/>
+                <a:ea typeface="Microsoft GothicNeo Light" panose="020B0300000101010101" pitchFamily="34" charset="-127"/>
+                <a:cs typeface="Microsoft GothicNeo Light" panose="020B0300000101010101" pitchFamily="34" charset="-127"/>
+              </a:rPr>
+              <a:t>”:200,</a:t>
             </a:r>
             <a:endParaRPr kumimoji="1" lang="en-US" altLang="ko-Kore-KR" sz="1400" dirty="0">
               <a:solidFill>
@@ -18995,7 +19950,81 @@
                 <a:ea typeface="Microsoft GothicNeo Light" panose="020B0300000101010101" pitchFamily="34" charset="-127"/>
                 <a:cs typeface="Microsoft GothicNeo Light" panose="020B0300000101010101" pitchFamily="34" charset="-127"/>
               </a:rPr>
-              <a:t>		</a:t>
+              <a:t>	“data”:[</a:t>
+            </a:r>
+          </a:p>
+          <a:p>
+            <a:r>
+              <a:rPr kumimoji="1" lang="en-US" altLang="ko-Kore-KR" sz="1400" dirty="0">
+                <a:solidFill>
+                  <a:schemeClr val="tx1">
+                    <a:lumMod val="85000"/>
+                    <a:lumOff val="15000"/>
+                  </a:schemeClr>
+                </a:solidFill>
+                <a:latin typeface="Microsoft GothicNeo Light" panose="020B0300000101010101" pitchFamily="34" charset="-127"/>
+                <a:ea typeface="Microsoft GothicNeo Light" panose="020B0300000101010101" pitchFamily="34" charset="-127"/>
+                <a:cs typeface="Microsoft GothicNeo Light" panose="020B0300000101010101" pitchFamily="34" charset="-127"/>
+              </a:rPr>
+              <a:t>	     {</a:t>
+            </a:r>
+          </a:p>
+          <a:p>
+            <a:r>
+              <a:rPr kumimoji="1" lang="en-US" altLang="ko-Kore-KR" sz="1400" dirty="0">
+                <a:solidFill>
+                  <a:schemeClr val="tx1">
+                    <a:lumMod val="85000"/>
+                    <a:lumOff val="15000"/>
+                  </a:schemeClr>
+                </a:solidFill>
+                <a:latin typeface="Microsoft GothicNeo Light" panose="020B0300000101010101" pitchFamily="34" charset="-127"/>
+                <a:ea typeface="Microsoft GothicNeo Light" panose="020B0300000101010101" pitchFamily="34" charset="-127"/>
+                <a:cs typeface="Microsoft GothicNeo Light" panose="020B0300000101010101" pitchFamily="34" charset="-127"/>
+              </a:rPr>
+              <a:t>		”</a:t>
+            </a:r>
+            <a:r>
+              <a:rPr kumimoji="1" lang="en-US" altLang="ko-Kore-KR" sz="1400" dirty="0" err="1">
+                <a:solidFill>
+                  <a:schemeClr val="tx1">
+                    <a:lumMod val="85000"/>
+                    <a:lumOff val="15000"/>
+                  </a:schemeClr>
+                </a:solidFill>
+                <a:latin typeface="Microsoft GothicNeo Light" panose="020B0300000101010101" pitchFamily="34" charset="-127"/>
+                <a:ea typeface="Microsoft GothicNeo Light" panose="020B0300000101010101" pitchFamily="34" charset="-127"/>
+                <a:cs typeface="Microsoft GothicNeo Light" panose="020B0300000101010101" pitchFamily="34" charset="-127"/>
+              </a:rPr>
+              <a:t>logCnt</a:t>
+            </a:r>
+            <a:r>
+              <a:rPr kumimoji="1" lang="en-US" altLang="ko-Kore-KR" sz="1400" dirty="0">
+                <a:solidFill>
+                  <a:schemeClr val="tx1">
+                    <a:lumMod val="85000"/>
+                    <a:lumOff val="15000"/>
+                  </a:schemeClr>
+                </a:solidFill>
+                <a:latin typeface="Microsoft GothicNeo Light" panose="020B0300000101010101" pitchFamily="34" charset="-127"/>
+                <a:ea typeface="Microsoft GothicNeo Light" panose="020B0300000101010101" pitchFamily="34" charset="-127"/>
+                <a:cs typeface="Microsoft GothicNeo Light" panose="020B0300000101010101" pitchFamily="34" charset="-127"/>
+              </a:rPr>
+              <a:t>”:</a:t>
+            </a:r>
+            <a:r>
+              <a:rPr kumimoji="1" lang="ko-KR" altLang="en-US" sz="1400" dirty="0">
+                <a:solidFill>
+                  <a:schemeClr val="tx1">
+                    <a:lumMod val="85000"/>
+                    <a:lumOff val="15000"/>
+                  </a:schemeClr>
+                </a:solidFill>
+                <a:latin typeface="Microsoft GothicNeo Light" panose="020B0300000101010101" pitchFamily="34" charset="-127"/>
+                <a:ea typeface="Microsoft GothicNeo Light" panose="020B0300000101010101" pitchFamily="34" charset="-127"/>
+                <a:cs typeface="Microsoft GothicNeo Light" panose="020B0300000101010101" pitchFamily="34" charset="-127"/>
+              </a:rPr>
+              <a:t> </a:t>
             </a:r>
             <a:r>
               <a:rPr kumimoji="1" lang="en-US" altLang="ko-KR" sz="1400" dirty="0">
@@ -19009,51 +20038,7 @@
                 <a:ea typeface="Microsoft GothicNeo Light" panose="020B0300000101010101" pitchFamily="34" charset="-127"/>
                 <a:cs typeface="Microsoft GothicNeo Light" panose="020B0300000101010101" pitchFamily="34" charset="-127"/>
               </a:rPr>
-              <a:t>“mon”: 2022-02,</a:t>
-            </a:r>
-          </a:p>
-          <a:p>
-            <a:r>
-              <a:rPr kumimoji="1" lang="en-US" altLang="ko-Kore-KR" sz="1400" dirty="0">
-                <a:solidFill>
-                  <a:schemeClr val="tx1">
-                    <a:lumMod val="85000"/>
-                    <a:lumOff val="15000"/>
-                  </a:schemeClr>
-                </a:solidFill>
-                <a:latin typeface="Microsoft GothicNeo Light" panose="020B0300000101010101" pitchFamily="34" charset="-127"/>
-                <a:ea typeface="Microsoft GothicNeo Light" panose="020B0300000101010101" pitchFamily="34" charset="-127"/>
-                <a:cs typeface="Microsoft GothicNeo Light" panose="020B0300000101010101" pitchFamily="34" charset="-127"/>
-              </a:rPr>
-              <a:t>		“dept”: “</a:t>
-            </a:r>
-            <a:r>
-              <a:rPr kumimoji="1" lang="ko-KR" altLang="en-US" sz="1400" dirty="0">
-                <a:solidFill>
-                  <a:schemeClr val="tx1">
-                    <a:lumMod val="85000"/>
-                    <a:lumOff val="15000"/>
-                  </a:schemeClr>
-                </a:solidFill>
-                <a:latin typeface="Microsoft GothicNeo Light" panose="020B0300000101010101" pitchFamily="34" charset="-127"/>
-                <a:ea typeface="Microsoft GothicNeo Light" panose="020B0300000101010101" pitchFamily="34" charset="-127"/>
-                <a:cs typeface="Microsoft GothicNeo Light" panose="020B0300000101010101" pitchFamily="34" charset="-127"/>
-              </a:rPr>
-              <a:t>개발부</a:t>
-            </a:r>
-            <a:r>
-              <a:rPr kumimoji="1" lang="en-US" altLang="ko-KR" sz="1400" dirty="0">
-                <a:solidFill>
-                  <a:schemeClr val="tx1">
-                    <a:lumMod val="85000"/>
-                    <a:lumOff val="15000"/>
-                  </a:schemeClr>
-                </a:solidFill>
-                <a:latin typeface="Microsoft GothicNeo Light" panose="020B0300000101010101" pitchFamily="34" charset="-127"/>
-                <a:ea typeface="Microsoft GothicNeo Light" panose="020B0300000101010101" pitchFamily="34" charset="-127"/>
-                <a:cs typeface="Microsoft GothicNeo Light" panose="020B0300000101010101" pitchFamily="34" charset="-127"/>
-              </a:rPr>
-              <a:t>”</a:t>
+              <a:t>9,</a:t>
             </a:r>
             <a:endParaRPr kumimoji="1" lang="en-US" altLang="ko-Kore-KR" sz="1400" dirty="0">
               <a:solidFill>
@@ -19080,7 +20065,21 @@
                 <a:ea typeface="Microsoft GothicNeo Light" panose="020B0300000101010101" pitchFamily="34" charset="-127"/>
                 <a:cs typeface="Microsoft GothicNeo Light" panose="020B0300000101010101" pitchFamily="34" charset="-127"/>
               </a:rPr>
-              <a:t>	     },</a:t>
+              <a:t>		</a:t>
+            </a:r>
+            <a:r>
+              <a:rPr kumimoji="1" lang="en-US" altLang="ko-KR" sz="1400" dirty="0">
+                <a:solidFill>
+                  <a:schemeClr val="tx1">
+                    <a:lumMod val="85000"/>
+                    <a:lumOff val="15000"/>
+                  </a:schemeClr>
+                </a:solidFill>
+                <a:latin typeface="Microsoft GothicNeo Light" panose="020B0300000101010101" pitchFamily="34" charset="-127"/>
+                <a:ea typeface="Microsoft GothicNeo Light" panose="020B0300000101010101" pitchFamily="34" charset="-127"/>
+                <a:cs typeface="Microsoft GothicNeo Light" panose="020B0300000101010101" pitchFamily="34" charset="-127"/>
+              </a:rPr>
+              <a:t>“mon”: 2022-02,</a:t>
             </a:r>
           </a:p>
           <a:p>
@@ -19096,51 +20095,7 @@
                 <a:ea typeface="Microsoft GothicNeo Light" panose="020B0300000101010101" pitchFamily="34" charset="-127"/>
                 <a:cs typeface="Microsoft GothicNeo Light" panose="020B0300000101010101" pitchFamily="34" charset="-127"/>
               </a:rPr>
-              <a:t>	     {</a:t>
-            </a:r>
-          </a:p>
-          <a:p>
-            <a:r>
-              <a:rPr kumimoji="1" lang="en-US" altLang="ko-Kore-KR" sz="1400" dirty="0">
-                <a:solidFill>
-                  <a:schemeClr val="tx1">
-                    <a:lumMod val="85000"/>
-                    <a:lumOff val="15000"/>
-                  </a:schemeClr>
-                </a:solidFill>
-                <a:latin typeface="Microsoft GothicNeo Light" panose="020B0300000101010101" pitchFamily="34" charset="-127"/>
-                <a:ea typeface="Microsoft GothicNeo Light" panose="020B0300000101010101" pitchFamily="34" charset="-127"/>
-                <a:cs typeface="Microsoft GothicNeo Light" panose="020B0300000101010101" pitchFamily="34" charset="-127"/>
-              </a:rPr>
-              <a:t>		”</a:t>
-            </a:r>
-            <a:r>
-              <a:rPr kumimoji="1" lang="en-US" altLang="ko-Kore-KR" sz="1400" dirty="0" err="1">
-                <a:solidFill>
-                  <a:schemeClr val="tx1">
-                    <a:lumMod val="85000"/>
-                    <a:lumOff val="15000"/>
-                  </a:schemeClr>
-                </a:solidFill>
-                <a:latin typeface="Microsoft GothicNeo Light" panose="020B0300000101010101" pitchFamily="34" charset="-127"/>
-                <a:ea typeface="Microsoft GothicNeo Light" panose="020B0300000101010101" pitchFamily="34" charset="-127"/>
-                <a:cs typeface="Microsoft GothicNeo Light" panose="020B0300000101010101" pitchFamily="34" charset="-127"/>
-              </a:rPr>
-              <a:t>logCnt</a:t>
-            </a:r>
-            <a:r>
-              <a:rPr kumimoji="1" lang="en-US" altLang="ko-Kore-KR" sz="1400" dirty="0">
-                <a:solidFill>
-                  <a:schemeClr val="tx1">
-                    <a:lumMod val="85000"/>
-                    <a:lumOff val="15000"/>
-                  </a:schemeClr>
-                </a:solidFill>
-                <a:latin typeface="Microsoft GothicNeo Light" panose="020B0300000101010101" pitchFamily="34" charset="-127"/>
-                <a:ea typeface="Microsoft GothicNeo Light" panose="020B0300000101010101" pitchFamily="34" charset="-127"/>
-                <a:cs typeface="Microsoft GothicNeo Light" panose="020B0300000101010101" pitchFamily="34" charset="-127"/>
-              </a:rPr>
-              <a:t>”:</a:t>
+              <a:t>		“dept”: “</a:t>
             </a:r>
             <a:r>
               <a:rPr kumimoji="1" lang="ko-KR" altLang="en-US" sz="1400" dirty="0">
@@ -19154,7 +20109,7 @@
                 <a:ea typeface="Microsoft GothicNeo Light" panose="020B0300000101010101" pitchFamily="34" charset="-127"/>
                 <a:cs typeface="Microsoft GothicNeo Light" panose="020B0300000101010101" pitchFamily="34" charset="-127"/>
               </a:rPr>
-              <a:t> </a:t>
+              <a:t>개발부</a:t>
             </a:r>
             <a:r>
               <a:rPr kumimoji="1" lang="en-US" altLang="ko-KR" sz="1400" dirty="0">
@@ -19168,7 +20123,7 @@
                 <a:ea typeface="Microsoft GothicNeo Light" panose="020B0300000101010101" pitchFamily="34" charset="-127"/>
                 <a:cs typeface="Microsoft GothicNeo Light" panose="020B0300000101010101" pitchFamily="34" charset="-127"/>
               </a:rPr>
-              <a:t>5,</a:t>
+              <a:t>”</a:t>
             </a:r>
             <a:endParaRPr kumimoji="1" lang="en-US" altLang="ko-Kore-KR" sz="1400" dirty="0">
               <a:solidFill>
@@ -19195,7 +20150,81 @@
                 <a:ea typeface="Microsoft GothicNeo Light" panose="020B0300000101010101" pitchFamily="34" charset="-127"/>
                 <a:cs typeface="Microsoft GothicNeo Light" panose="020B0300000101010101" pitchFamily="34" charset="-127"/>
               </a:rPr>
-              <a:t>		</a:t>
+              <a:t>	     },</a:t>
+            </a:r>
+          </a:p>
+          <a:p>
+            <a:r>
+              <a:rPr kumimoji="1" lang="en-US" altLang="ko-Kore-KR" sz="1400" dirty="0">
+                <a:solidFill>
+                  <a:schemeClr val="tx1">
+                    <a:lumMod val="85000"/>
+                    <a:lumOff val="15000"/>
+                  </a:schemeClr>
+                </a:solidFill>
+                <a:latin typeface="Microsoft GothicNeo Light" panose="020B0300000101010101" pitchFamily="34" charset="-127"/>
+                <a:ea typeface="Microsoft GothicNeo Light" panose="020B0300000101010101" pitchFamily="34" charset="-127"/>
+                <a:cs typeface="Microsoft GothicNeo Light" panose="020B0300000101010101" pitchFamily="34" charset="-127"/>
+              </a:rPr>
+              <a:t>	     {</a:t>
+            </a:r>
+          </a:p>
+          <a:p>
+            <a:r>
+              <a:rPr kumimoji="1" lang="en-US" altLang="ko-Kore-KR" sz="1400" dirty="0">
+                <a:solidFill>
+                  <a:schemeClr val="tx1">
+                    <a:lumMod val="85000"/>
+                    <a:lumOff val="15000"/>
+                  </a:schemeClr>
+                </a:solidFill>
+                <a:latin typeface="Microsoft GothicNeo Light" panose="020B0300000101010101" pitchFamily="34" charset="-127"/>
+                <a:ea typeface="Microsoft GothicNeo Light" panose="020B0300000101010101" pitchFamily="34" charset="-127"/>
+                <a:cs typeface="Microsoft GothicNeo Light" panose="020B0300000101010101" pitchFamily="34" charset="-127"/>
+              </a:rPr>
+              <a:t>		”</a:t>
+            </a:r>
+            <a:r>
+              <a:rPr kumimoji="1" lang="en-US" altLang="ko-Kore-KR" sz="1400" dirty="0" err="1">
+                <a:solidFill>
+                  <a:schemeClr val="tx1">
+                    <a:lumMod val="85000"/>
+                    <a:lumOff val="15000"/>
+                  </a:schemeClr>
+                </a:solidFill>
+                <a:latin typeface="Microsoft GothicNeo Light" panose="020B0300000101010101" pitchFamily="34" charset="-127"/>
+                <a:ea typeface="Microsoft GothicNeo Light" panose="020B0300000101010101" pitchFamily="34" charset="-127"/>
+                <a:cs typeface="Microsoft GothicNeo Light" panose="020B0300000101010101" pitchFamily="34" charset="-127"/>
+              </a:rPr>
+              <a:t>logCnt</a:t>
+            </a:r>
+            <a:r>
+              <a:rPr kumimoji="1" lang="en-US" altLang="ko-Kore-KR" sz="1400" dirty="0">
+                <a:solidFill>
+                  <a:schemeClr val="tx1">
+                    <a:lumMod val="85000"/>
+                    <a:lumOff val="15000"/>
+                  </a:schemeClr>
+                </a:solidFill>
+                <a:latin typeface="Microsoft GothicNeo Light" panose="020B0300000101010101" pitchFamily="34" charset="-127"/>
+                <a:ea typeface="Microsoft GothicNeo Light" panose="020B0300000101010101" pitchFamily="34" charset="-127"/>
+                <a:cs typeface="Microsoft GothicNeo Light" panose="020B0300000101010101" pitchFamily="34" charset="-127"/>
+              </a:rPr>
+              <a:t>”:</a:t>
+            </a:r>
+            <a:r>
+              <a:rPr kumimoji="1" lang="ko-KR" altLang="en-US" sz="1400" dirty="0">
+                <a:solidFill>
+                  <a:schemeClr val="tx1">
+                    <a:lumMod val="85000"/>
+                    <a:lumOff val="15000"/>
+                  </a:schemeClr>
+                </a:solidFill>
+                <a:latin typeface="Microsoft GothicNeo Light" panose="020B0300000101010101" pitchFamily="34" charset="-127"/>
+                <a:ea typeface="Microsoft GothicNeo Light" panose="020B0300000101010101" pitchFamily="34" charset="-127"/>
+                <a:cs typeface="Microsoft GothicNeo Light" panose="020B0300000101010101" pitchFamily="34" charset="-127"/>
+              </a:rPr>
+              <a:t> </a:t>
             </a:r>
             <a:r>
               <a:rPr kumimoji="1" lang="en-US" altLang="ko-KR" sz="1400" dirty="0">
@@ -19209,51 +20238,7 @@
                 <a:ea typeface="Microsoft GothicNeo Light" panose="020B0300000101010101" pitchFamily="34" charset="-127"/>
                 <a:cs typeface="Microsoft GothicNeo Light" panose="020B0300000101010101" pitchFamily="34" charset="-127"/>
               </a:rPr>
-              <a:t>“mon”: 2022-02,</a:t>
-            </a:r>
-          </a:p>
-          <a:p>
-            <a:r>
-              <a:rPr kumimoji="1" lang="en-US" altLang="ko-Kore-KR" sz="1400" dirty="0">
-                <a:solidFill>
-                  <a:schemeClr val="tx1">
-                    <a:lumMod val="85000"/>
-                    <a:lumOff val="15000"/>
-                  </a:schemeClr>
-                </a:solidFill>
-                <a:latin typeface="Microsoft GothicNeo Light" panose="020B0300000101010101" pitchFamily="34" charset="-127"/>
-                <a:ea typeface="Microsoft GothicNeo Light" panose="020B0300000101010101" pitchFamily="34" charset="-127"/>
-                <a:cs typeface="Microsoft GothicNeo Light" panose="020B0300000101010101" pitchFamily="34" charset="-127"/>
-              </a:rPr>
-              <a:t>		“dept”: “</a:t>
-            </a:r>
-            <a:r>
-              <a:rPr kumimoji="1" lang="ko-KR" altLang="en-US" sz="1400" dirty="0" err="1">
-                <a:solidFill>
-                  <a:schemeClr val="tx1">
-                    <a:lumMod val="85000"/>
-                    <a:lumOff val="15000"/>
-                  </a:schemeClr>
-                </a:solidFill>
-                <a:latin typeface="Microsoft GothicNeo Light" panose="020B0300000101010101" pitchFamily="34" charset="-127"/>
-                <a:ea typeface="Microsoft GothicNeo Light" panose="020B0300000101010101" pitchFamily="34" charset="-127"/>
-                <a:cs typeface="Microsoft GothicNeo Light" panose="020B0300000101010101" pitchFamily="34" charset="-127"/>
-              </a:rPr>
-              <a:t>디자인부</a:t>
-            </a:r>
-            <a:r>
-              <a:rPr kumimoji="1" lang="en-US" altLang="ko-KR" sz="1400" dirty="0">
-                <a:solidFill>
-                  <a:schemeClr val="tx1">
-                    <a:lumMod val="85000"/>
-                    <a:lumOff val="15000"/>
-                  </a:schemeClr>
-                </a:solidFill>
-                <a:latin typeface="Microsoft GothicNeo Light" panose="020B0300000101010101" pitchFamily="34" charset="-127"/>
-                <a:ea typeface="Microsoft GothicNeo Light" panose="020B0300000101010101" pitchFamily="34" charset="-127"/>
-                <a:cs typeface="Microsoft GothicNeo Light" panose="020B0300000101010101" pitchFamily="34" charset="-127"/>
-              </a:rPr>
-              <a:t>”</a:t>
+              <a:t>5,</a:t>
             </a:r>
             <a:endParaRPr kumimoji="1" lang="en-US" altLang="ko-Kore-KR" sz="1400" dirty="0">
               <a:solidFill>
@@ -19280,7 +20265,21 @@
                 <a:ea typeface="Microsoft GothicNeo Light" panose="020B0300000101010101" pitchFamily="34" charset="-127"/>
                 <a:cs typeface="Microsoft GothicNeo Light" panose="020B0300000101010101" pitchFamily="34" charset="-127"/>
               </a:rPr>
-              <a:t>	     }</a:t>
+              <a:t>		</a:t>
+            </a:r>
+            <a:r>
+              <a:rPr kumimoji="1" lang="en-US" altLang="ko-KR" sz="1400" dirty="0">
+                <a:solidFill>
+                  <a:schemeClr val="tx1">
+                    <a:lumMod val="85000"/>
+                    <a:lumOff val="15000"/>
+                  </a:schemeClr>
+                </a:solidFill>
+                <a:latin typeface="Microsoft GothicNeo Light" panose="020B0300000101010101" pitchFamily="34" charset="-127"/>
+                <a:ea typeface="Microsoft GothicNeo Light" panose="020B0300000101010101" pitchFamily="34" charset="-127"/>
+                <a:cs typeface="Microsoft GothicNeo Light" panose="020B0300000101010101" pitchFamily="34" charset="-127"/>
+              </a:rPr>
+              <a:t>“mon”: 2022-02,</a:t>
             </a:r>
           </a:p>
           <a:p>
@@ -19296,21 +20295,21 @@
                 <a:ea typeface="Microsoft GothicNeo Light" panose="020B0300000101010101" pitchFamily="34" charset="-127"/>
                 <a:cs typeface="Microsoft GothicNeo Light" panose="020B0300000101010101" pitchFamily="34" charset="-127"/>
               </a:rPr>
-              <a:t>	</a:t>
-            </a:r>
-            <a:r>
-              <a:rPr kumimoji="1" lang="ko-KR" altLang="en-US" sz="1400" dirty="0">
-                <a:solidFill>
-                  <a:schemeClr val="tx1">
-                    <a:lumMod val="85000"/>
-                    <a:lumOff val="15000"/>
-                  </a:schemeClr>
-                </a:solidFill>
-                <a:latin typeface="Microsoft GothicNeo Light" panose="020B0300000101010101" pitchFamily="34" charset="-127"/>
-                <a:ea typeface="Microsoft GothicNeo Light" panose="020B0300000101010101" pitchFamily="34" charset="-127"/>
-                <a:cs typeface="Microsoft GothicNeo Light" panose="020B0300000101010101" pitchFamily="34" charset="-127"/>
-              </a:rPr>
-              <a:t>     </a:t>
+              <a:t>		“dept”: “</a:t>
+            </a:r>
+            <a:r>
+              <a:rPr kumimoji="1" lang="ko-KR" altLang="en-US" sz="1400" dirty="0" err="1">
+                <a:solidFill>
+                  <a:schemeClr val="tx1">
+                    <a:lumMod val="85000"/>
+                    <a:lumOff val="15000"/>
+                  </a:schemeClr>
+                </a:solidFill>
+                <a:latin typeface="Microsoft GothicNeo Light" panose="020B0300000101010101" pitchFamily="34" charset="-127"/>
+                <a:ea typeface="Microsoft GothicNeo Light" panose="020B0300000101010101" pitchFamily="34" charset="-127"/>
+                <a:cs typeface="Microsoft GothicNeo Light" panose="020B0300000101010101" pitchFamily="34" charset="-127"/>
+              </a:rPr>
+              <a:t>디자인부</a:t>
             </a:r>
             <a:r>
               <a:rPr kumimoji="1" lang="en-US" altLang="ko-KR" sz="1400" dirty="0">
@@ -19324,7 +20323,7 @@
                 <a:ea typeface="Microsoft GothicNeo Light" panose="020B0300000101010101" pitchFamily="34" charset="-127"/>
                 <a:cs typeface="Microsoft GothicNeo Light" panose="020B0300000101010101" pitchFamily="34" charset="-127"/>
               </a:rPr>
-              <a:t>...</a:t>
+              <a:t>”</a:t>
             </a:r>
             <a:endParaRPr kumimoji="1" lang="en-US" altLang="ko-Kore-KR" sz="1400" dirty="0">
               <a:solidFill>
@@ -19351,6 +20350,77 @@
                 <a:ea typeface="Microsoft GothicNeo Light" panose="020B0300000101010101" pitchFamily="34" charset="-127"/>
                 <a:cs typeface="Microsoft GothicNeo Light" panose="020B0300000101010101" pitchFamily="34" charset="-127"/>
               </a:rPr>
+              <a:t>	     }</a:t>
+            </a:r>
+          </a:p>
+          <a:p>
+            <a:r>
+              <a:rPr kumimoji="1" lang="en-US" altLang="ko-Kore-KR" sz="1400" dirty="0">
+                <a:solidFill>
+                  <a:schemeClr val="tx1">
+                    <a:lumMod val="85000"/>
+                    <a:lumOff val="15000"/>
+                  </a:schemeClr>
+                </a:solidFill>
+                <a:latin typeface="Microsoft GothicNeo Light" panose="020B0300000101010101" pitchFamily="34" charset="-127"/>
+                <a:ea typeface="Microsoft GothicNeo Light" panose="020B0300000101010101" pitchFamily="34" charset="-127"/>
+                <a:cs typeface="Microsoft GothicNeo Light" panose="020B0300000101010101" pitchFamily="34" charset="-127"/>
+              </a:rPr>
+              <a:t>	</a:t>
+            </a:r>
+            <a:r>
+              <a:rPr kumimoji="1" lang="ko-KR" altLang="en-US" sz="1400" dirty="0">
+                <a:solidFill>
+                  <a:schemeClr val="tx1">
+                    <a:lumMod val="85000"/>
+                    <a:lumOff val="15000"/>
+                  </a:schemeClr>
+                </a:solidFill>
+                <a:latin typeface="Microsoft GothicNeo Light" panose="020B0300000101010101" pitchFamily="34" charset="-127"/>
+                <a:ea typeface="Microsoft GothicNeo Light" panose="020B0300000101010101" pitchFamily="34" charset="-127"/>
+                <a:cs typeface="Microsoft GothicNeo Light" panose="020B0300000101010101" pitchFamily="34" charset="-127"/>
+              </a:rPr>
+              <a:t>     </a:t>
+            </a:r>
+            <a:r>
+              <a:rPr kumimoji="1" lang="en-US" altLang="ko-KR" sz="1400" dirty="0">
+                <a:solidFill>
+                  <a:schemeClr val="tx1">
+                    <a:lumMod val="85000"/>
+                    <a:lumOff val="15000"/>
+                  </a:schemeClr>
+                </a:solidFill>
+                <a:latin typeface="Microsoft GothicNeo Light" panose="020B0300000101010101" pitchFamily="34" charset="-127"/>
+                <a:ea typeface="Microsoft GothicNeo Light" panose="020B0300000101010101" pitchFamily="34" charset="-127"/>
+                <a:cs typeface="Microsoft GothicNeo Light" panose="020B0300000101010101" pitchFamily="34" charset="-127"/>
+              </a:rPr>
+              <a:t>...</a:t>
+            </a:r>
+            <a:endParaRPr kumimoji="1" lang="en-US" altLang="ko-Kore-KR" sz="1400" dirty="0">
+              <a:solidFill>
+                <a:schemeClr val="tx1">
+                  <a:lumMod val="85000"/>
+                  <a:lumOff val="15000"/>
+                </a:schemeClr>
+              </a:solidFill>
+              <a:latin typeface="Microsoft GothicNeo Light" panose="020B0300000101010101" pitchFamily="34" charset="-127"/>
+              <a:ea typeface="Microsoft GothicNeo Light" panose="020B0300000101010101" pitchFamily="34" charset="-127"/>
+              <a:cs typeface="Microsoft GothicNeo Light" panose="020B0300000101010101" pitchFamily="34" charset="-127"/>
+            </a:endParaRPr>
+          </a:p>
+          <a:p>
+            <a:r>
+              <a:rPr kumimoji="1" lang="en-US" altLang="ko-Kore-KR" sz="1400" dirty="0">
+                <a:solidFill>
+                  <a:schemeClr val="tx1">
+                    <a:lumMod val="85000"/>
+                    <a:lumOff val="15000"/>
+                  </a:schemeClr>
+                </a:solidFill>
+                <a:latin typeface="Microsoft GothicNeo Light" panose="020B0300000101010101" pitchFamily="34" charset="-127"/>
+                <a:ea typeface="Microsoft GothicNeo Light" panose="020B0300000101010101" pitchFamily="34" charset="-127"/>
+                <a:cs typeface="Microsoft GothicNeo Light" panose="020B0300000101010101" pitchFamily="34" charset="-127"/>
+              </a:rPr>
               <a:t>	]</a:t>
             </a:r>
           </a:p>
@@ -19370,6 +20440,62 @@
               <a:t>}</a:t>
             </a:r>
             <a:endParaRPr kumimoji="1" lang="ko-Kore-KR" altLang="en-US" sz="1400" dirty="0">
+              <a:solidFill>
+                <a:schemeClr val="tx1">
+                  <a:lumMod val="85000"/>
+                  <a:lumOff val="15000"/>
+                </a:schemeClr>
+              </a:solidFill>
+              <a:latin typeface="Microsoft GothicNeo Light" panose="020B0300000101010101" pitchFamily="34" charset="-127"/>
+              <a:ea typeface="Microsoft GothicNeo Light" panose="020B0300000101010101" pitchFamily="34" charset="-127"/>
+              <a:cs typeface="Microsoft GothicNeo Light" panose="020B0300000101010101" pitchFamily="34" charset="-127"/>
+            </a:endParaRPr>
+          </a:p>
+        </p:txBody>
+      </p:sp>
+      <p:sp>
+        <p:nvSpPr>
+          <p:cNvPr id="12" name="TextBox 11">
+            <a:extLst>
+              <a:ext uri="{FF2B5EF4-FFF2-40B4-BE49-F238E27FC236}">
+                <a16:creationId xmlns:a16="http://schemas.microsoft.com/office/drawing/2014/main" id="{B03CB581-1598-D74A-89CC-6D556300AA13}"/>
+              </a:ext>
+            </a:extLst>
+          </p:cNvPr>
+          <p:cNvSpPr txBox="1"/>
+          <p:nvPr/>
+        </p:nvSpPr>
+        <p:spPr>
+          <a:xfrm>
+            <a:off x="462454" y="4676225"/>
+            <a:ext cx="2987566" cy="323165"/>
+          </a:xfrm>
+          <a:prstGeom prst="rect">
+            <a:avLst/>
+          </a:prstGeom>
+          <a:noFill/>
+        </p:spPr>
+        <p:txBody>
+          <a:bodyPr wrap="square" rtlCol="0">
+            <a:spAutoFit/>
+          </a:bodyPr>
+          <a:lstStyle/>
+          <a:p>
+            <a:r>
+              <a:rPr kumimoji="1" lang="en-US" altLang="ko-Kore-KR" sz="1500" dirty="0">
+                <a:solidFill>
+                  <a:schemeClr val="tx1">
+                    <a:lumMod val="85000"/>
+                    <a:lumOff val="15000"/>
+                  </a:schemeClr>
+                </a:solidFill>
+                <a:latin typeface="Microsoft GothicNeo Light" panose="020B0300000101010101" pitchFamily="34" charset="-127"/>
+                <a:ea typeface="Microsoft GothicNeo Light" panose="020B0300000101010101" pitchFamily="34" charset="-127"/>
+                <a:cs typeface="Microsoft GothicNeo Light" panose="020B0300000101010101" pitchFamily="34" charset="-127"/>
+              </a:rPr>
+              <a:t>Response Parameters</a:t>
+            </a:r>
+            <a:endParaRPr kumimoji="1" lang="ko-Kore-KR" altLang="en-US" sz="1500" dirty="0">
               <a:solidFill>
                 <a:schemeClr val="tx1">
                   <a:lumMod val="85000"/>
